--- a/kotlinpres.pptx
+++ b/kotlinpres.pptx
@@ -5,7 +5,7 @@
     <p:sldMasterId id="2147483648" r:id="rId1"/>
   </p:sldMasterIdLst>
   <p:notesMasterIdLst>
-    <p:notesMasterId r:id="rId16"/>
+    <p:notesMasterId r:id="rId17"/>
   </p:notesMasterIdLst>
   <p:sldIdLst>
     <p:sldId id="259" r:id="rId2"/>
@@ -22,6 +22,7 @@
     <p:sldId id="263" r:id="rId13"/>
     <p:sldId id="268" r:id="rId14"/>
     <p:sldId id="265" r:id="rId15"/>
+    <p:sldId id="271" r:id="rId16"/>
   </p:sldIdLst>
   <p:sldSz cx="9144000" cy="6858000" type="screen4x3"/>
   <p:notesSz cx="6858000" cy="9144000"/>
@@ -3566,14 +3567,1306 @@
       </p:grpSpPr>
       <p:sp>
         <p:nvSpPr>
-          <p:cNvPr id="17" name="Flèche droite 16"/>
+          <p:cNvPr id="9" name="ZoneTexte 8"/>
+          <p:cNvSpPr txBox="1"/>
+          <p:nvPr/>
+        </p:nvSpPr>
+        <p:spPr>
+          <a:xfrm>
+            <a:off x="251520" y="260648"/>
+            <a:ext cx="3810659" cy="1569660"/>
+          </a:xfrm>
+          <a:prstGeom prst="rect">
+            <a:avLst/>
+          </a:prstGeom>
+          <a:noFill/>
+        </p:spPr>
+        <p:txBody>
+          <a:bodyPr wrap="none" rtlCol="0">
+            <a:spAutoFit/>
+          </a:bodyPr>
+          <a:lstStyle/>
+          <a:p>
+            <a:r>
+              <a:rPr lang="fr-FR" sz="1200" b="1" dirty="0" err="1" smtClean="0">
+                <a:latin typeface="Lucida Console" pitchFamily="49" charset="0"/>
+              </a:rPr>
+              <a:t>int</a:t>
+            </a:r>
+            <a:r>
+              <a:rPr lang="fr-FR" sz="1200" b="1" dirty="0" smtClean="0">
+                <a:latin typeface="Lucida Console" pitchFamily="49" charset="0"/>
+              </a:rPr>
+              <a:t> </a:t>
+            </a:r>
+            <a:r>
+              <a:rPr lang="fr-FR" sz="1200" dirty="0" smtClean="0">
+                <a:latin typeface="Lucida Console" pitchFamily="49" charset="0"/>
+              </a:rPr>
+              <a:t>i = 0;</a:t>
+            </a:r>
+            <a:br>
+              <a:rPr lang="fr-FR" sz="1200" dirty="0" smtClean="0">
+                <a:latin typeface="Lucida Console" pitchFamily="49" charset="0"/>
+              </a:rPr>
+            </a:br>
+            <a:r>
+              <a:rPr lang="fr-FR" sz="1200" b="1" dirty="0" err="1" smtClean="0">
+                <a:latin typeface="Lucida Console" pitchFamily="49" charset="0"/>
+              </a:rPr>
+              <a:t>while</a:t>
+            </a:r>
+            <a:r>
+              <a:rPr lang="fr-FR" sz="1200" b="1" dirty="0" smtClean="0">
+                <a:latin typeface="Lucida Console" pitchFamily="49" charset="0"/>
+              </a:rPr>
+              <a:t> </a:t>
+            </a:r>
+            <a:r>
+              <a:rPr lang="fr-FR" sz="1200" dirty="0" smtClean="0">
+                <a:latin typeface="Lucida Console" pitchFamily="49" charset="0"/>
+              </a:rPr>
+              <a:t>(i &lt; </a:t>
+            </a:r>
+            <a:r>
+              <a:rPr lang="fr-FR" sz="1200" dirty="0" err="1" smtClean="0">
+                <a:latin typeface="Lucida Console" pitchFamily="49" charset="0"/>
+              </a:rPr>
+              <a:t>numbers.size</a:t>
+            </a:r>
+            <a:r>
+              <a:rPr lang="fr-FR" sz="1200" dirty="0" smtClean="0">
+                <a:latin typeface="Lucida Console" pitchFamily="49" charset="0"/>
+              </a:rPr>
+              <a:t>()) {</a:t>
+            </a:r>
+            <a:br>
+              <a:rPr lang="fr-FR" sz="1200" dirty="0" smtClean="0">
+                <a:latin typeface="Lucida Console" pitchFamily="49" charset="0"/>
+              </a:rPr>
+            </a:br>
+            <a:r>
+              <a:rPr lang="fr-FR" sz="1200" dirty="0" smtClean="0">
+                <a:latin typeface="Lucida Console" pitchFamily="49" charset="0"/>
+              </a:rPr>
+              <a:t>    </a:t>
+            </a:r>
+            <a:r>
+              <a:rPr lang="fr-FR" sz="1200" dirty="0" err="1" smtClean="0">
+                <a:latin typeface="Lucida Console" pitchFamily="49" charset="0"/>
+              </a:rPr>
+              <a:t>Integer</a:t>
+            </a:r>
+            <a:r>
+              <a:rPr lang="fr-FR" sz="1200" dirty="0" smtClean="0">
+                <a:latin typeface="Lucida Console" pitchFamily="49" charset="0"/>
+              </a:rPr>
+              <a:t> </a:t>
+            </a:r>
+            <a:r>
+              <a:rPr lang="fr-FR" sz="1200" dirty="0" err="1" smtClean="0">
+                <a:latin typeface="Lucida Console" pitchFamily="49" charset="0"/>
+              </a:rPr>
+              <a:t>number</a:t>
+            </a:r>
+            <a:r>
+              <a:rPr lang="fr-FR" sz="1200" dirty="0" smtClean="0">
+                <a:latin typeface="Lucida Console" pitchFamily="49" charset="0"/>
+              </a:rPr>
+              <a:t> = numbers.get(i);</a:t>
+            </a:r>
+            <a:br>
+              <a:rPr lang="fr-FR" sz="1200" dirty="0" smtClean="0">
+                <a:latin typeface="Lucida Console" pitchFamily="49" charset="0"/>
+              </a:rPr>
+            </a:br>
+            <a:r>
+              <a:rPr lang="fr-FR" sz="1200" dirty="0" smtClean="0">
+                <a:latin typeface="Lucida Console" pitchFamily="49" charset="0"/>
+              </a:rPr>
+              <a:t>    </a:t>
+            </a:r>
+            <a:r>
+              <a:rPr lang="fr-FR" sz="1200" b="1" dirty="0" smtClean="0">
+                <a:latin typeface="Lucida Console" pitchFamily="49" charset="0"/>
+              </a:rPr>
+              <a:t>if </a:t>
+            </a:r>
+            <a:r>
+              <a:rPr lang="fr-FR" sz="1200" dirty="0" smtClean="0">
+                <a:latin typeface="Lucida Console" pitchFamily="49" charset="0"/>
+              </a:rPr>
+              <a:t>(</a:t>
+            </a:r>
+            <a:r>
+              <a:rPr lang="fr-FR" sz="1200" dirty="0" err="1" smtClean="0">
+                <a:latin typeface="Lucida Console" pitchFamily="49" charset="0"/>
+              </a:rPr>
+              <a:t>number</a:t>
+            </a:r>
+            <a:r>
+              <a:rPr lang="fr-FR" sz="1200" dirty="0" smtClean="0">
+                <a:latin typeface="Lucida Console" pitchFamily="49" charset="0"/>
+              </a:rPr>
+              <a:t> % 3 == 0) {</a:t>
+            </a:r>
+            <a:br>
+              <a:rPr lang="fr-FR" sz="1200" dirty="0" smtClean="0">
+                <a:latin typeface="Lucida Console" pitchFamily="49" charset="0"/>
+              </a:rPr>
+            </a:br>
+            <a:r>
+              <a:rPr lang="fr-FR" sz="1200" dirty="0" smtClean="0">
+                <a:latin typeface="Lucida Console" pitchFamily="49" charset="0"/>
+              </a:rPr>
+              <a:t>        System.</a:t>
+            </a:r>
+            <a:r>
+              <a:rPr lang="fr-FR" sz="1200" b="1" i="1" dirty="0" smtClean="0">
+                <a:latin typeface="Lucida Console" pitchFamily="49" charset="0"/>
+              </a:rPr>
+              <a:t>out</a:t>
+            </a:r>
+            <a:r>
+              <a:rPr lang="fr-FR" sz="1200" dirty="0" smtClean="0">
+                <a:latin typeface="Lucida Console" pitchFamily="49" charset="0"/>
+              </a:rPr>
+              <a:t>.println(</a:t>
+            </a:r>
+            <a:r>
+              <a:rPr lang="fr-FR" sz="1200" dirty="0" err="1" smtClean="0">
+                <a:latin typeface="Lucida Console" pitchFamily="49" charset="0"/>
+              </a:rPr>
+              <a:t>number</a:t>
+            </a:r>
+            <a:r>
+              <a:rPr lang="fr-FR" sz="1200" dirty="0" smtClean="0">
+                <a:latin typeface="Lucida Console" pitchFamily="49" charset="0"/>
+              </a:rPr>
+              <a:t> / 3);</a:t>
+            </a:r>
+            <a:br>
+              <a:rPr lang="fr-FR" sz="1200" dirty="0" smtClean="0">
+                <a:latin typeface="Lucida Console" pitchFamily="49" charset="0"/>
+              </a:rPr>
+            </a:br>
+            <a:r>
+              <a:rPr lang="fr-FR" sz="1200" dirty="0" smtClean="0">
+                <a:latin typeface="Lucida Console" pitchFamily="49" charset="0"/>
+              </a:rPr>
+              <a:t>    }</a:t>
+            </a:r>
+            <a:br>
+              <a:rPr lang="fr-FR" sz="1200" dirty="0" smtClean="0">
+                <a:latin typeface="Lucida Console" pitchFamily="49" charset="0"/>
+              </a:rPr>
+            </a:br>
+            <a:r>
+              <a:rPr lang="fr-FR" sz="1200" dirty="0" smtClean="0">
+                <a:latin typeface="Lucida Console" pitchFamily="49" charset="0"/>
+              </a:rPr>
+              <a:t>    i++;</a:t>
+            </a:r>
+            <a:br>
+              <a:rPr lang="fr-FR" sz="1200" dirty="0" smtClean="0">
+                <a:latin typeface="Lucida Console" pitchFamily="49" charset="0"/>
+              </a:rPr>
+            </a:br>
+            <a:r>
+              <a:rPr lang="fr-FR" sz="1200" dirty="0" smtClean="0">
+                <a:latin typeface="Lucida Console" pitchFamily="49" charset="0"/>
+              </a:rPr>
+              <a:t>}</a:t>
+            </a:r>
+          </a:p>
+        </p:txBody>
+      </p:sp>
+      <p:sp>
+        <p:nvSpPr>
+          <p:cNvPr id="11" name="ZoneTexte 10"/>
+          <p:cNvSpPr txBox="1"/>
+          <p:nvPr/>
+        </p:nvSpPr>
+        <p:spPr>
+          <a:xfrm>
+            <a:off x="2544116" y="1484784"/>
+            <a:ext cx="6599884" cy="3046988"/>
+          </a:xfrm>
+          <a:prstGeom prst="rect">
+            <a:avLst/>
+          </a:prstGeom>
+          <a:noFill/>
+        </p:spPr>
+        <p:txBody>
+          <a:bodyPr wrap="none" rtlCol="0">
+            <a:spAutoFit/>
+          </a:bodyPr>
+          <a:lstStyle/>
+          <a:p>
+            <a:r>
+              <a:rPr lang="fr-FR" sz="1200" dirty="0" err="1" smtClean="0">
+                <a:solidFill>
+                  <a:schemeClr val="bg1">
+                    <a:lumMod val="50000"/>
+                  </a:schemeClr>
+                </a:solidFill>
+                <a:latin typeface="Lucida Console" pitchFamily="49" charset="0"/>
+              </a:rPr>
+              <a:t>Iterator</a:t>
+            </a:r>
+            <a:r>
+              <a:rPr lang="fr-FR" sz="1200" dirty="0" smtClean="0">
+                <a:solidFill>
+                  <a:schemeClr val="bg1">
+                    <a:lumMod val="50000"/>
+                  </a:schemeClr>
+                </a:solidFill>
+                <a:latin typeface="Lucida Console" pitchFamily="49" charset="0"/>
+              </a:rPr>
+              <a:t>&lt;</a:t>
+            </a:r>
+            <a:r>
+              <a:rPr lang="fr-FR" sz="1200" dirty="0" err="1" smtClean="0">
+                <a:solidFill>
+                  <a:schemeClr val="bg1">
+                    <a:lumMod val="50000"/>
+                  </a:schemeClr>
+                </a:solidFill>
+                <a:latin typeface="Lucida Console" pitchFamily="49" charset="0"/>
+              </a:rPr>
+              <a:t>Integer</a:t>
+            </a:r>
+            <a:r>
+              <a:rPr lang="fr-FR" sz="1200" dirty="0" smtClean="0">
+                <a:solidFill>
+                  <a:schemeClr val="bg1">
+                    <a:lumMod val="50000"/>
+                  </a:schemeClr>
+                </a:solidFill>
+                <a:latin typeface="Lucida Console" pitchFamily="49" charset="0"/>
+              </a:rPr>
+              <a:t>&gt; </a:t>
+            </a:r>
+            <a:r>
+              <a:rPr lang="fr-FR" sz="1200" dirty="0" err="1" smtClean="0">
+                <a:solidFill>
+                  <a:schemeClr val="bg1">
+                    <a:lumMod val="50000"/>
+                  </a:schemeClr>
+                </a:solidFill>
+                <a:latin typeface="Lucida Console" pitchFamily="49" charset="0"/>
+              </a:rPr>
+              <a:t>iterator</a:t>
+            </a:r>
+            <a:r>
+              <a:rPr lang="fr-FR" sz="1200" dirty="0" smtClean="0">
+                <a:solidFill>
+                  <a:schemeClr val="bg1">
+                    <a:lumMod val="50000"/>
+                  </a:schemeClr>
+                </a:solidFill>
+                <a:latin typeface="Lucida Console" pitchFamily="49" charset="0"/>
+              </a:rPr>
+              <a:t> = </a:t>
+            </a:r>
+            <a:r>
+              <a:rPr lang="fr-FR" sz="1200" dirty="0" err="1" smtClean="0">
+                <a:solidFill>
+                  <a:schemeClr val="bg1">
+                    <a:lumMod val="50000"/>
+                  </a:schemeClr>
+                </a:solidFill>
+                <a:latin typeface="Lucida Console" pitchFamily="49" charset="0"/>
+              </a:rPr>
+              <a:t>numbers.iterator</a:t>
+            </a:r>
+            <a:r>
+              <a:rPr lang="fr-FR" sz="1200" dirty="0" smtClean="0">
+                <a:solidFill>
+                  <a:schemeClr val="bg1">
+                    <a:lumMod val="50000"/>
+                  </a:schemeClr>
+                </a:solidFill>
+                <a:latin typeface="Lucida Console" pitchFamily="49" charset="0"/>
+              </a:rPr>
+              <a:t>();</a:t>
+            </a:r>
+            <a:br>
+              <a:rPr lang="fr-FR" sz="1200" dirty="0" smtClean="0">
+                <a:solidFill>
+                  <a:schemeClr val="bg1">
+                    <a:lumMod val="50000"/>
+                  </a:schemeClr>
+                </a:solidFill>
+                <a:latin typeface="Lucida Console" pitchFamily="49" charset="0"/>
+              </a:rPr>
+            </a:br>
+            <a:r>
+              <a:rPr lang="fr-FR" sz="1200" b="1" dirty="0" err="1" smtClean="0">
+                <a:solidFill>
+                  <a:schemeClr val="bg1">
+                    <a:lumMod val="50000"/>
+                  </a:schemeClr>
+                </a:solidFill>
+                <a:latin typeface="Lucida Console" pitchFamily="49" charset="0"/>
+              </a:rPr>
+              <a:t>while</a:t>
+            </a:r>
+            <a:r>
+              <a:rPr lang="fr-FR" sz="1200" b="1" dirty="0" smtClean="0">
+                <a:solidFill>
+                  <a:schemeClr val="bg1">
+                    <a:lumMod val="50000"/>
+                  </a:schemeClr>
+                </a:solidFill>
+                <a:latin typeface="Lucida Console" pitchFamily="49" charset="0"/>
+              </a:rPr>
+              <a:t> </a:t>
+            </a:r>
+            <a:r>
+              <a:rPr lang="fr-FR" sz="1200" dirty="0" smtClean="0">
+                <a:solidFill>
+                  <a:schemeClr val="bg1">
+                    <a:lumMod val="50000"/>
+                  </a:schemeClr>
+                </a:solidFill>
+                <a:latin typeface="Lucida Console" pitchFamily="49" charset="0"/>
+              </a:rPr>
+              <a:t>(</a:t>
+            </a:r>
+            <a:r>
+              <a:rPr lang="fr-FR" sz="1200" dirty="0" err="1" smtClean="0">
+                <a:solidFill>
+                  <a:schemeClr val="bg1">
+                    <a:lumMod val="50000"/>
+                  </a:schemeClr>
+                </a:solidFill>
+                <a:latin typeface="Lucida Console" pitchFamily="49" charset="0"/>
+              </a:rPr>
+              <a:t>iterator.hasNext</a:t>
+            </a:r>
+            <a:r>
+              <a:rPr lang="fr-FR" sz="1200" dirty="0" smtClean="0">
+                <a:solidFill>
+                  <a:schemeClr val="bg1">
+                    <a:lumMod val="50000"/>
+                  </a:schemeClr>
+                </a:solidFill>
+                <a:latin typeface="Lucida Console" pitchFamily="49" charset="0"/>
+              </a:rPr>
+              <a:t>()) {</a:t>
+            </a:r>
+            <a:br>
+              <a:rPr lang="fr-FR" sz="1200" dirty="0" smtClean="0">
+                <a:solidFill>
+                  <a:schemeClr val="bg1">
+                    <a:lumMod val="50000"/>
+                  </a:schemeClr>
+                </a:solidFill>
+                <a:latin typeface="Lucida Console" pitchFamily="49" charset="0"/>
+              </a:rPr>
+            </a:br>
+            <a:r>
+              <a:rPr lang="fr-FR" sz="1200" dirty="0" smtClean="0">
+                <a:solidFill>
+                  <a:schemeClr val="bg1">
+                    <a:lumMod val="50000"/>
+                  </a:schemeClr>
+                </a:solidFill>
+                <a:latin typeface="Lucida Console" pitchFamily="49" charset="0"/>
+              </a:rPr>
+              <a:t>    </a:t>
+            </a:r>
+            <a:r>
+              <a:rPr lang="fr-FR" sz="1200" dirty="0" err="1" smtClean="0">
+                <a:solidFill>
+                  <a:schemeClr val="bg1">
+                    <a:lumMod val="50000"/>
+                  </a:schemeClr>
+                </a:solidFill>
+                <a:latin typeface="Lucida Console" pitchFamily="49" charset="0"/>
+              </a:rPr>
+              <a:t>Integer</a:t>
+            </a:r>
+            <a:r>
+              <a:rPr lang="fr-FR" sz="1200" dirty="0" smtClean="0">
+                <a:solidFill>
+                  <a:schemeClr val="bg1">
+                    <a:lumMod val="50000"/>
+                  </a:schemeClr>
+                </a:solidFill>
+                <a:latin typeface="Lucida Console" pitchFamily="49" charset="0"/>
+              </a:rPr>
+              <a:t> </a:t>
+            </a:r>
+            <a:r>
+              <a:rPr lang="fr-FR" sz="1200" dirty="0" err="1" smtClean="0">
+                <a:solidFill>
+                  <a:schemeClr val="bg1">
+                    <a:lumMod val="50000"/>
+                  </a:schemeClr>
+                </a:solidFill>
+                <a:latin typeface="Lucida Console" pitchFamily="49" charset="0"/>
+              </a:rPr>
+              <a:t>number</a:t>
+            </a:r>
+            <a:r>
+              <a:rPr lang="fr-FR" sz="1200" dirty="0" smtClean="0">
+                <a:solidFill>
+                  <a:schemeClr val="bg1">
+                    <a:lumMod val="50000"/>
+                  </a:schemeClr>
+                </a:solidFill>
+                <a:latin typeface="Lucida Console" pitchFamily="49" charset="0"/>
+              </a:rPr>
+              <a:t> = </a:t>
+            </a:r>
+            <a:r>
+              <a:rPr lang="fr-FR" sz="1200" dirty="0" err="1" smtClean="0">
+                <a:solidFill>
+                  <a:schemeClr val="bg1">
+                    <a:lumMod val="50000"/>
+                  </a:schemeClr>
+                </a:solidFill>
+                <a:latin typeface="Lucida Console" pitchFamily="49" charset="0"/>
+              </a:rPr>
+              <a:t>iterator.next</a:t>
+            </a:r>
+            <a:r>
+              <a:rPr lang="fr-FR" sz="1200" dirty="0" smtClean="0">
+                <a:solidFill>
+                  <a:schemeClr val="bg1">
+                    <a:lumMod val="50000"/>
+                  </a:schemeClr>
+                </a:solidFill>
+                <a:latin typeface="Lucida Console" pitchFamily="49" charset="0"/>
+              </a:rPr>
+              <a:t>();</a:t>
+            </a:r>
+            <a:br>
+              <a:rPr lang="fr-FR" sz="1200" dirty="0" smtClean="0">
+                <a:solidFill>
+                  <a:schemeClr val="bg1">
+                    <a:lumMod val="50000"/>
+                  </a:schemeClr>
+                </a:solidFill>
+                <a:latin typeface="Lucida Console" pitchFamily="49" charset="0"/>
+              </a:rPr>
+            </a:br>
+            <a:r>
+              <a:rPr lang="fr-FR" sz="1200" dirty="0" smtClean="0">
+                <a:solidFill>
+                  <a:schemeClr val="bg1">
+                    <a:lumMod val="50000"/>
+                  </a:schemeClr>
+                </a:solidFill>
+                <a:latin typeface="Lucida Console" pitchFamily="49" charset="0"/>
+              </a:rPr>
+              <a:t>    </a:t>
+            </a:r>
+            <a:r>
+              <a:rPr lang="fr-FR" sz="1200" b="1" dirty="0" smtClean="0">
+                <a:solidFill>
+                  <a:schemeClr val="bg1">
+                    <a:lumMod val="50000"/>
+                  </a:schemeClr>
+                </a:solidFill>
+                <a:latin typeface="Lucida Console" pitchFamily="49" charset="0"/>
+              </a:rPr>
+              <a:t>if </a:t>
+            </a:r>
+            <a:r>
+              <a:rPr lang="fr-FR" sz="1200" dirty="0" smtClean="0">
+                <a:solidFill>
+                  <a:schemeClr val="bg1">
+                    <a:lumMod val="50000"/>
+                  </a:schemeClr>
+                </a:solidFill>
+                <a:latin typeface="Lucida Console" pitchFamily="49" charset="0"/>
+              </a:rPr>
+              <a:t>(</a:t>
+            </a:r>
+            <a:r>
+              <a:rPr lang="fr-FR" sz="1200" dirty="0" err="1" smtClean="0">
+                <a:solidFill>
+                  <a:schemeClr val="bg1">
+                    <a:lumMod val="50000"/>
+                  </a:schemeClr>
+                </a:solidFill>
+                <a:latin typeface="Lucida Console" pitchFamily="49" charset="0"/>
+              </a:rPr>
+              <a:t>number</a:t>
+            </a:r>
+            <a:r>
+              <a:rPr lang="fr-FR" sz="1200" dirty="0" smtClean="0">
+                <a:solidFill>
+                  <a:schemeClr val="bg1">
+                    <a:lumMod val="50000"/>
+                  </a:schemeClr>
+                </a:solidFill>
+                <a:latin typeface="Lucida Console" pitchFamily="49" charset="0"/>
+              </a:rPr>
+              <a:t> % 3 == 0) {</a:t>
+            </a:r>
+            <a:br>
+              <a:rPr lang="fr-FR" sz="1200" dirty="0" smtClean="0">
+                <a:solidFill>
+                  <a:schemeClr val="bg1">
+                    <a:lumMod val="50000"/>
+                  </a:schemeClr>
+                </a:solidFill>
+                <a:latin typeface="Lucida Console" pitchFamily="49" charset="0"/>
+              </a:rPr>
+            </a:br>
+            <a:r>
+              <a:rPr lang="fr-FR" sz="1200" dirty="0" smtClean="0">
+                <a:solidFill>
+                  <a:schemeClr val="bg1">
+                    <a:lumMod val="50000"/>
+                  </a:schemeClr>
+                </a:solidFill>
+                <a:latin typeface="Lucida Console" pitchFamily="49" charset="0"/>
+              </a:rPr>
+              <a:t>        System.</a:t>
+            </a:r>
+            <a:r>
+              <a:rPr lang="fr-FR" sz="1200" b="1" i="1" dirty="0" smtClean="0">
+                <a:solidFill>
+                  <a:schemeClr val="bg1">
+                    <a:lumMod val="50000"/>
+                  </a:schemeClr>
+                </a:solidFill>
+                <a:latin typeface="Lucida Console" pitchFamily="49" charset="0"/>
+              </a:rPr>
+              <a:t>out</a:t>
+            </a:r>
+            <a:r>
+              <a:rPr lang="fr-FR" sz="1200" dirty="0" smtClean="0">
+                <a:solidFill>
+                  <a:schemeClr val="bg1">
+                    <a:lumMod val="50000"/>
+                  </a:schemeClr>
+                </a:solidFill>
+                <a:latin typeface="Lucida Console" pitchFamily="49" charset="0"/>
+              </a:rPr>
+              <a:t>.println(</a:t>
+            </a:r>
+            <a:r>
+              <a:rPr lang="fr-FR" sz="1200" dirty="0" err="1" smtClean="0">
+                <a:solidFill>
+                  <a:schemeClr val="bg1">
+                    <a:lumMod val="50000"/>
+                  </a:schemeClr>
+                </a:solidFill>
+                <a:latin typeface="Lucida Console" pitchFamily="49" charset="0"/>
+              </a:rPr>
+              <a:t>number</a:t>
+            </a:r>
+            <a:r>
+              <a:rPr lang="fr-FR" sz="1200" dirty="0" smtClean="0">
+                <a:solidFill>
+                  <a:schemeClr val="bg1">
+                    <a:lumMod val="50000"/>
+                  </a:schemeClr>
+                </a:solidFill>
+                <a:latin typeface="Lucida Console" pitchFamily="49" charset="0"/>
+              </a:rPr>
+              <a:t> / 3);</a:t>
+            </a:r>
+            <a:br>
+              <a:rPr lang="fr-FR" sz="1200" dirty="0" smtClean="0">
+                <a:solidFill>
+                  <a:schemeClr val="bg1">
+                    <a:lumMod val="50000"/>
+                  </a:schemeClr>
+                </a:solidFill>
+                <a:latin typeface="Lucida Console" pitchFamily="49" charset="0"/>
+              </a:rPr>
+            </a:br>
+            <a:r>
+              <a:rPr lang="fr-FR" sz="1200" dirty="0" smtClean="0">
+                <a:solidFill>
+                  <a:schemeClr val="bg1">
+                    <a:lumMod val="50000"/>
+                  </a:schemeClr>
+                </a:solidFill>
+                <a:latin typeface="Lucida Console" pitchFamily="49" charset="0"/>
+              </a:rPr>
+              <a:t>    }</a:t>
+            </a:r>
+            <a:br>
+              <a:rPr lang="fr-FR" sz="1200" dirty="0" smtClean="0">
+                <a:solidFill>
+                  <a:schemeClr val="bg1">
+                    <a:lumMod val="50000"/>
+                  </a:schemeClr>
+                </a:solidFill>
+                <a:latin typeface="Lucida Console" pitchFamily="49" charset="0"/>
+              </a:rPr>
+            </a:br>
+            <a:r>
+              <a:rPr lang="fr-FR" sz="1200" dirty="0" smtClean="0">
+                <a:solidFill>
+                  <a:schemeClr val="bg1">
+                    <a:lumMod val="50000"/>
+                  </a:schemeClr>
+                </a:solidFill>
+                <a:latin typeface="Lucida Console" pitchFamily="49" charset="0"/>
+              </a:rPr>
+              <a:t>}</a:t>
+            </a:r>
+          </a:p>
+          <a:p>
+            <a:endParaRPr lang="fr-FR" sz="1200" dirty="0" smtClean="0">
+              <a:solidFill>
+                <a:schemeClr val="bg1">
+                  <a:lumMod val="50000"/>
+                </a:schemeClr>
+              </a:solidFill>
+              <a:latin typeface="Lucida Console" pitchFamily="49" charset="0"/>
+            </a:endParaRPr>
+          </a:p>
+          <a:p>
+            <a:endParaRPr lang="fr-FR" sz="1200" dirty="0" smtClean="0">
+              <a:solidFill>
+                <a:schemeClr val="bg1">
+                  <a:lumMod val="50000"/>
+                </a:schemeClr>
+              </a:solidFill>
+              <a:latin typeface="Lucida Console" pitchFamily="49" charset="0"/>
+            </a:endParaRPr>
+          </a:p>
+          <a:p>
+            <a:r>
+              <a:rPr lang="fr-FR" sz="1200" b="1" dirty="0" smtClean="0">
+                <a:solidFill>
+                  <a:schemeClr val="bg1">
+                    <a:lumMod val="50000"/>
+                  </a:schemeClr>
+                </a:solidFill>
+                <a:latin typeface="Lucida Console" pitchFamily="49" charset="0"/>
+              </a:rPr>
+              <a:t>for </a:t>
+            </a:r>
+            <a:r>
+              <a:rPr lang="fr-FR" sz="1200" dirty="0" smtClean="0">
+                <a:solidFill>
+                  <a:schemeClr val="bg1">
+                    <a:lumMod val="50000"/>
+                  </a:schemeClr>
+                </a:solidFill>
+                <a:latin typeface="Lucida Console" pitchFamily="49" charset="0"/>
+              </a:rPr>
+              <a:t>(</a:t>
+            </a:r>
+            <a:r>
+              <a:rPr lang="fr-FR" sz="1200" dirty="0" err="1" smtClean="0">
+                <a:solidFill>
+                  <a:schemeClr val="bg1">
+                    <a:lumMod val="50000"/>
+                  </a:schemeClr>
+                </a:solidFill>
+                <a:latin typeface="Lucida Console" pitchFamily="49" charset="0"/>
+              </a:rPr>
+              <a:t>Iterator</a:t>
+            </a:r>
+            <a:r>
+              <a:rPr lang="fr-FR" sz="1200" dirty="0" smtClean="0">
+                <a:solidFill>
+                  <a:schemeClr val="bg1">
+                    <a:lumMod val="50000"/>
+                  </a:schemeClr>
+                </a:solidFill>
+                <a:latin typeface="Lucida Console" pitchFamily="49" charset="0"/>
+              </a:rPr>
+              <a:t>&lt;</a:t>
+            </a:r>
+            <a:r>
+              <a:rPr lang="fr-FR" sz="1200" dirty="0" err="1" smtClean="0">
+                <a:solidFill>
+                  <a:schemeClr val="bg1">
+                    <a:lumMod val="50000"/>
+                  </a:schemeClr>
+                </a:solidFill>
+                <a:latin typeface="Lucida Console" pitchFamily="49" charset="0"/>
+              </a:rPr>
+              <a:t>Integer</a:t>
+            </a:r>
+            <a:r>
+              <a:rPr lang="fr-FR" sz="1200" dirty="0" smtClean="0">
+                <a:solidFill>
+                  <a:schemeClr val="bg1">
+                    <a:lumMod val="50000"/>
+                  </a:schemeClr>
+                </a:solidFill>
+                <a:latin typeface="Lucida Console" pitchFamily="49" charset="0"/>
+              </a:rPr>
+              <a:t>&gt; </a:t>
+            </a:r>
+            <a:r>
+              <a:rPr lang="fr-FR" sz="1200" dirty="0" err="1" smtClean="0">
+                <a:solidFill>
+                  <a:schemeClr val="bg1">
+                    <a:lumMod val="50000"/>
+                  </a:schemeClr>
+                </a:solidFill>
+                <a:latin typeface="Lucida Console" pitchFamily="49" charset="0"/>
+              </a:rPr>
+              <a:t>iter</a:t>
+            </a:r>
+            <a:r>
+              <a:rPr lang="fr-FR" sz="1200" dirty="0" smtClean="0">
+                <a:solidFill>
+                  <a:schemeClr val="bg1">
+                    <a:lumMod val="50000"/>
+                  </a:schemeClr>
+                </a:solidFill>
+                <a:latin typeface="Lucida Console" pitchFamily="49" charset="0"/>
+              </a:rPr>
+              <a:t> = </a:t>
+            </a:r>
+            <a:r>
+              <a:rPr lang="fr-FR" sz="1200" dirty="0" err="1" smtClean="0">
+                <a:solidFill>
+                  <a:schemeClr val="bg1">
+                    <a:lumMod val="50000"/>
+                  </a:schemeClr>
+                </a:solidFill>
+                <a:latin typeface="Lucida Console" pitchFamily="49" charset="0"/>
+              </a:rPr>
+              <a:t>numbers.iterator</a:t>
+            </a:r>
+            <a:r>
+              <a:rPr lang="fr-FR" sz="1200" dirty="0" smtClean="0">
+                <a:solidFill>
+                  <a:schemeClr val="bg1">
+                    <a:lumMod val="50000"/>
+                  </a:schemeClr>
+                </a:solidFill>
+                <a:latin typeface="Lucida Console" pitchFamily="49" charset="0"/>
+              </a:rPr>
+              <a:t>(); </a:t>
+            </a:r>
+            <a:r>
+              <a:rPr lang="fr-FR" sz="1200" dirty="0" err="1" smtClean="0">
+                <a:solidFill>
+                  <a:schemeClr val="bg1">
+                    <a:lumMod val="50000"/>
+                  </a:schemeClr>
+                </a:solidFill>
+                <a:latin typeface="Lucida Console" pitchFamily="49" charset="0"/>
+              </a:rPr>
+              <a:t>iter.hasNext</a:t>
+            </a:r>
+            <a:r>
+              <a:rPr lang="fr-FR" sz="1200" dirty="0" smtClean="0">
+                <a:solidFill>
+                  <a:schemeClr val="bg1">
+                    <a:lumMod val="50000"/>
+                  </a:schemeClr>
+                </a:solidFill>
+                <a:latin typeface="Lucida Console" pitchFamily="49" charset="0"/>
+              </a:rPr>
+              <a:t>(); ) {</a:t>
+            </a:r>
+            <a:br>
+              <a:rPr lang="fr-FR" sz="1200" dirty="0" smtClean="0">
+                <a:solidFill>
+                  <a:schemeClr val="bg1">
+                    <a:lumMod val="50000"/>
+                  </a:schemeClr>
+                </a:solidFill>
+                <a:latin typeface="Lucida Console" pitchFamily="49" charset="0"/>
+              </a:rPr>
+            </a:br>
+            <a:r>
+              <a:rPr lang="fr-FR" sz="1200" dirty="0" smtClean="0">
+                <a:solidFill>
+                  <a:schemeClr val="bg1">
+                    <a:lumMod val="50000"/>
+                  </a:schemeClr>
+                </a:solidFill>
+                <a:latin typeface="Lucida Console" pitchFamily="49" charset="0"/>
+              </a:rPr>
+              <a:t>    </a:t>
+            </a:r>
+            <a:r>
+              <a:rPr lang="fr-FR" sz="1200" dirty="0" err="1" smtClean="0">
+                <a:solidFill>
+                  <a:schemeClr val="bg1">
+                    <a:lumMod val="50000"/>
+                  </a:schemeClr>
+                </a:solidFill>
+                <a:latin typeface="Lucida Console" pitchFamily="49" charset="0"/>
+              </a:rPr>
+              <a:t>Integer</a:t>
+            </a:r>
+            <a:r>
+              <a:rPr lang="fr-FR" sz="1200" dirty="0" smtClean="0">
+                <a:solidFill>
+                  <a:schemeClr val="bg1">
+                    <a:lumMod val="50000"/>
+                  </a:schemeClr>
+                </a:solidFill>
+                <a:latin typeface="Lucida Console" pitchFamily="49" charset="0"/>
+              </a:rPr>
+              <a:t> </a:t>
+            </a:r>
+            <a:r>
+              <a:rPr lang="fr-FR" sz="1200" dirty="0" err="1" smtClean="0">
+                <a:solidFill>
+                  <a:schemeClr val="bg1">
+                    <a:lumMod val="50000"/>
+                  </a:schemeClr>
+                </a:solidFill>
+                <a:latin typeface="Lucida Console" pitchFamily="49" charset="0"/>
+              </a:rPr>
+              <a:t>number</a:t>
+            </a:r>
+            <a:r>
+              <a:rPr lang="fr-FR" sz="1200" dirty="0" smtClean="0">
+                <a:solidFill>
+                  <a:schemeClr val="bg1">
+                    <a:lumMod val="50000"/>
+                  </a:schemeClr>
+                </a:solidFill>
+                <a:latin typeface="Lucida Console" pitchFamily="49" charset="0"/>
+              </a:rPr>
+              <a:t> = </a:t>
+            </a:r>
+            <a:r>
+              <a:rPr lang="fr-FR" sz="1200" dirty="0" err="1" smtClean="0">
+                <a:solidFill>
+                  <a:schemeClr val="bg1">
+                    <a:lumMod val="50000"/>
+                  </a:schemeClr>
+                </a:solidFill>
+                <a:latin typeface="Lucida Console" pitchFamily="49" charset="0"/>
+              </a:rPr>
+              <a:t>iter.next</a:t>
+            </a:r>
+            <a:r>
+              <a:rPr lang="fr-FR" sz="1200" dirty="0" smtClean="0">
+                <a:solidFill>
+                  <a:schemeClr val="bg1">
+                    <a:lumMod val="50000"/>
+                  </a:schemeClr>
+                </a:solidFill>
+                <a:latin typeface="Lucida Console" pitchFamily="49" charset="0"/>
+              </a:rPr>
+              <a:t>();</a:t>
+            </a:r>
+            <a:br>
+              <a:rPr lang="fr-FR" sz="1200" dirty="0" smtClean="0">
+                <a:solidFill>
+                  <a:schemeClr val="bg1">
+                    <a:lumMod val="50000"/>
+                  </a:schemeClr>
+                </a:solidFill>
+                <a:latin typeface="Lucida Console" pitchFamily="49" charset="0"/>
+              </a:rPr>
+            </a:br>
+            <a:r>
+              <a:rPr lang="fr-FR" sz="1200" dirty="0" smtClean="0">
+                <a:solidFill>
+                  <a:schemeClr val="bg1">
+                    <a:lumMod val="50000"/>
+                  </a:schemeClr>
+                </a:solidFill>
+                <a:latin typeface="Lucida Console" pitchFamily="49" charset="0"/>
+              </a:rPr>
+              <a:t>    </a:t>
+            </a:r>
+            <a:r>
+              <a:rPr lang="fr-FR" sz="1200" b="1" dirty="0" smtClean="0">
+                <a:solidFill>
+                  <a:schemeClr val="bg1">
+                    <a:lumMod val="50000"/>
+                  </a:schemeClr>
+                </a:solidFill>
+                <a:latin typeface="Lucida Console" pitchFamily="49" charset="0"/>
+              </a:rPr>
+              <a:t>if </a:t>
+            </a:r>
+            <a:r>
+              <a:rPr lang="fr-FR" sz="1200" dirty="0" smtClean="0">
+                <a:solidFill>
+                  <a:schemeClr val="bg1">
+                    <a:lumMod val="50000"/>
+                  </a:schemeClr>
+                </a:solidFill>
+                <a:latin typeface="Lucida Console" pitchFamily="49" charset="0"/>
+              </a:rPr>
+              <a:t>(</a:t>
+            </a:r>
+            <a:r>
+              <a:rPr lang="fr-FR" sz="1200" dirty="0" err="1" smtClean="0">
+                <a:solidFill>
+                  <a:schemeClr val="bg1">
+                    <a:lumMod val="50000"/>
+                  </a:schemeClr>
+                </a:solidFill>
+                <a:latin typeface="Lucida Console" pitchFamily="49" charset="0"/>
+              </a:rPr>
+              <a:t>number</a:t>
+            </a:r>
+            <a:r>
+              <a:rPr lang="fr-FR" sz="1200" dirty="0" smtClean="0">
+                <a:solidFill>
+                  <a:schemeClr val="bg1">
+                    <a:lumMod val="50000"/>
+                  </a:schemeClr>
+                </a:solidFill>
+                <a:latin typeface="Lucida Console" pitchFamily="49" charset="0"/>
+              </a:rPr>
+              <a:t> % 3 == 0) {</a:t>
+            </a:r>
+            <a:br>
+              <a:rPr lang="fr-FR" sz="1200" dirty="0" smtClean="0">
+                <a:solidFill>
+                  <a:schemeClr val="bg1">
+                    <a:lumMod val="50000"/>
+                  </a:schemeClr>
+                </a:solidFill>
+                <a:latin typeface="Lucida Console" pitchFamily="49" charset="0"/>
+              </a:rPr>
+            </a:br>
+            <a:r>
+              <a:rPr lang="fr-FR" sz="1200" dirty="0" smtClean="0">
+                <a:solidFill>
+                  <a:schemeClr val="bg1">
+                    <a:lumMod val="50000"/>
+                  </a:schemeClr>
+                </a:solidFill>
+                <a:latin typeface="Lucida Console" pitchFamily="49" charset="0"/>
+              </a:rPr>
+              <a:t>        System.</a:t>
+            </a:r>
+            <a:r>
+              <a:rPr lang="fr-FR" sz="1200" b="1" i="1" dirty="0" smtClean="0">
+                <a:solidFill>
+                  <a:schemeClr val="bg1">
+                    <a:lumMod val="50000"/>
+                  </a:schemeClr>
+                </a:solidFill>
+                <a:latin typeface="Lucida Console" pitchFamily="49" charset="0"/>
+              </a:rPr>
+              <a:t>out</a:t>
+            </a:r>
+            <a:r>
+              <a:rPr lang="fr-FR" sz="1200" dirty="0" smtClean="0">
+                <a:solidFill>
+                  <a:schemeClr val="bg1">
+                    <a:lumMod val="50000"/>
+                  </a:schemeClr>
+                </a:solidFill>
+                <a:latin typeface="Lucida Console" pitchFamily="49" charset="0"/>
+              </a:rPr>
+              <a:t>.println(</a:t>
+            </a:r>
+            <a:r>
+              <a:rPr lang="fr-FR" sz="1200" dirty="0" err="1" smtClean="0">
+                <a:solidFill>
+                  <a:schemeClr val="bg1">
+                    <a:lumMod val="50000"/>
+                  </a:schemeClr>
+                </a:solidFill>
+                <a:latin typeface="Lucida Console" pitchFamily="49" charset="0"/>
+              </a:rPr>
+              <a:t>number</a:t>
+            </a:r>
+            <a:r>
+              <a:rPr lang="fr-FR" sz="1200" dirty="0" smtClean="0">
+                <a:solidFill>
+                  <a:schemeClr val="bg1">
+                    <a:lumMod val="50000"/>
+                  </a:schemeClr>
+                </a:solidFill>
+                <a:latin typeface="Lucida Console" pitchFamily="49" charset="0"/>
+              </a:rPr>
+              <a:t> / 3);</a:t>
+            </a:r>
+            <a:br>
+              <a:rPr lang="fr-FR" sz="1200" dirty="0" smtClean="0">
+                <a:solidFill>
+                  <a:schemeClr val="bg1">
+                    <a:lumMod val="50000"/>
+                  </a:schemeClr>
+                </a:solidFill>
+                <a:latin typeface="Lucida Console" pitchFamily="49" charset="0"/>
+              </a:rPr>
+            </a:br>
+            <a:r>
+              <a:rPr lang="fr-FR" sz="1200" dirty="0" smtClean="0">
+                <a:solidFill>
+                  <a:schemeClr val="bg1">
+                    <a:lumMod val="50000"/>
+                  </a:schemeClr>
+                </a:solidFill>
+                <a:latin typeface="Lucida Console" pitchFamily="49" charset="0"/>
+              </a:rPr>
+              <a:t>    }</a:t>
+            </a:r>
+            <a:br>
+              <a:rPr lang="fr-FR" sz="1200" dirty="0" smtClean="0">
+                <a:solidFill>
+                  <a:schemeClr val="bg1">
+                    <a:lumMod val="50000"/>
+                  </a:schemeClr>
+                </a:solidFill>
+                <a:latin typeface="Lucida Console" pitchFamily="49" charset="0"/>
+              </a:rPr>
+            </a:br>
+            <a:r>
+              <a:rPr lang="fr-FR" sz="1200" dirty="0" smtClean="0">
+                <a:solidFill>
+                  <a:schemeClr val="bg1">
+                    <a:lumMod val="50000"/>
+                  </a:schemeClr>
+                </a:solidFill>
+                <a:latin typeface="Lucida Console" pitchFamily="49" charset="0"/>
+              </a:rPr>
+              <a:t>}</a:t>
+            </a:r>
+          </a:p>
+          <a:p>
+            <a:endParaRPr lang="fr-FR" sz="1200" dirty="0">
+              <a:solidFill>
+                <a:schemeClr val="bg1">
+                  <a:lumMod val="50000"/>
+                </a:schemeClr>
+              </a:solidFill>
+              <a:latin typeface="Lucida Console" pitchFamily="49" charset="0"/>
+            </a:endParaRPr>
+          </a:p>
+        </p:txBody>
+      </p:sp>
+      <p:sp>
+        <p:nvSpPr>
+          <p:cNvPr id="12" name="ZoneTexte 11"/>
+          <p:cNvSpPr txBox="1"/>
+          <p:nvPr/>
+        </p:nvSpPr>
+        <p:spPr>
+          <a:xfrm>
+            <a:off x="251520" y="4581128"/>
+            <a:ext cx="4089581" cy="2123658"/>
+          </a:xfrm>
+          <a:prstGeom prst="rect">
+            <a:avLst/>
+          </a:prstGeom>
+          <a:noFill/>
+        </p:spPr>
+        <p:txBody>
+          <a:bodyPr wrap="none" rtlCol="0">
+            <a:spAutoFit/>
+          </a:bodyPr>
+          <a:lstStyle/>
+          <a:p>
+            <a:r>
+              <a:rPr lang="en-US" sz="1200" b="1" dirty="0" smtClean="0">
+                <a:latin typeface="Lucida Console" pitchFamily="49" charset="0"/>
+              </a:rPr>
+              <a:t>for </a:t>
+            </a:r>
+            <a:r>
+              <a:rPr lang="en-US" sz="1200" dirty="0" smtClean="0">
+                <a:latin typeface="Lucida Console" pitchFamily="49" charset="0"/>
+              </a:rPr>
+              <a:t>(Integer number : numbers) {</a:t>
+            </a:r>
+            <a:br>
+              <a:rPr lang="en-US" sz="1200" dirty="0" smtClean="0">
+                <a:latin typeface="Lucida Console" pitchFamily="49" charset="0"/>
+              </a:rPr>
+            </a:br>
+            <a:r>
+              <a:rPr lang="en-US" sz="1200" dirty="0" smtClean="0">
+                <a:latin typeface="Lucida Console" pitchFamily="49" charset="0"/>
+              </a:rPr>
+              <a:t>    </a:t>
+            </a:r>
+            <a:r>
+              <a:rPr lang="en-US" sz="1200" b="1" dirty="0" smtClean="0">
+                <a:latin typeface="Lucida Console" pitchFamily="49" charset="0"/>
+              </a:rPr>
+              <a:t>if </a:t>
+            </a:r>
+            <a:r>
+              <a:rPr lang="en-US" sz="1200" dirty="0" smtClean="0">
+                <a:latin typeface="Lucida Console" pitchFamily="49" charset="0"/>
+              </a:rPr>
+              <a:t>(number % 3 == 0) {</a:t>
+            </a:r>
+            <a:br>
+              <a:rPr lang="en-US" sz="1200" dirty="0" smtClean="0">
+                <a:latin typeface="Lucida Console" pitchFamily="49" charset="0"/>
+              </a:rPr>
+            </a:br>
+            <a:r>
+              <a:rPr lang="en-US" sz="1200" dirty="0" smtClean="0">
+                <a:latin typeface="Lucida Console" pitchFamily="49" charset="0"/>
+              </a:rPr>
+              <a:t>        </a:t>
+            </a:r>
+            <a:r>
+              <a:rPr lang="en-US" sz="1200" dirty="0" err="1" smtClean="0">
+                <a:latin typeface="Lucida Console" pitchFamily="49" charset="0"/>
+              </a:rPr>
+              <a:t>System.</a:t>
+            </a:r>
+            <a:r>
+              <a:rPr lang="en-US" sz="1200" b="1" i="1" dirty="0" err="1" smtClean="0">
+                <a:latin typeface="Lucida Console" pitchFamily="49" charset="0"/>
+              </a:rPr>
+              <a:t>out</a:t>
+            </a:r>
+            <a:r>
+              <a:rPr lang="en-US" sz="1200" dirty="0" err="1" smtClean="0">
+                <a:latin typeface="Lucida Console" pitchFamily="49" charset="0"/>
+              </a:rPr>
+              <a:t>.println</a:t>
+            </a:r>
+            <a:r>
+              <a:rPr lang="en-US" sz="1200" dirty="0" smtClean="0">
+                <a:latin typeface="Lucida Console" pitchFamily="49" charset="0"/>
+              </a:rPr>
+              <a:t>(number / 3);</a:t>
+            </a:r>
+            <a:br>
+              <a:rPr lang="en-US" sz="1200" dirty="0" smtClean="0">
+                <a:latin typeface="Lucida Console" pitchFamily="49" charset="0"/>
+              </a:rPr>
+            </a:br>
+            <a:r>
+              <a:rPr lang="en-US" sz="1200" dirty="0" smtClean="0">
+                <a:latin typeface="Lucida Console" pitchFamily="49" charset="0"/>
+              </a:rPr>
+              <a:t>    }</a:t>
+            </a:r>
+            <a:br>
+              <a:rPr lang="en-US" sz="1200" dirty="0" smtClean="0">
+                <a:latin typeface="Lucida Console" pitchFamily="49" charset="0"/>
+              </a:rPr>
+            </a:br>
+            <a:r>
+              <a:rPr lang="en-US" sz="1200" dirty="0" smtClean="0">
+                <a:latin typeface="Lucida Console" pitchFamily="49" charset="0"/>
+              </a:rPr>
+              <a:t>}</a:t>
+            </a:r>
+          </a:p>
+          <a:p>
+            <a:endParaRPr lang="en-US" sz="1200" dirty="0" smtClean="0">
+              <a:latin typeface="Lucida Console" pitchFamily="49" charset="0"/>
+            </a:endParaRPr>
+          </a:p>
+          <a:p>
+            <a:endParaRPr lang="en-US" sz="1200" dirty="0" smtClean="0">
+              <a:latin typeface="Lucida Console" pitchFamily="49" charset="0"/>
+            </a:endParaRPr>
+          </a:p>
+          <a:p>
+            <a:r>
+              <a:rPr lang="en-US" sz="1200" dirty="0" err="1" smtClean="0">
+                <a:latin typeface="Lucida Console" pitchFamily="49" charset="0"/>
+              </a:rPr>
+              <a:t>numbers.stream</a:t>
+            </a:r>
+            <a:r>
+              <a:rPr lang="en-US" sz="1200" dirty="0" smtClean="0">
+                <a:latin typeface="Lucida Console" pitchFamily="49" charset="0"/>
+              </a:rPr>
+              <a:t>()</a:t>
+            </a:r>
+            <a:br>
+              <a:rPr lang="en-US" sz="1200" dirty="0" smtClean="0">
+                <a:latin typeface="Lucida Console" pitchFamily="49" charset="0"/>
+              </a:rPr>
+            </a:br>
+            <a:r>
+              <a:rPr lang="en-US" sz="1200" dirty="0" smtClean="0">
+                <a:latin typeface="Lucida Console" pitchFamily="49" charset="0"/>
+              </a:rPr>
+              <a:t>        .filter(number -&gt; number % 3 == 0)</a:t>
+            </a:r>
+            <a:br>
+              <a:rPr lang="en-US" sz="1200" dirty="0" smtClean="0">
+                <a:latin typeface="Lucida Console" pitchFamily="49" charset="0"/>
+              </a:rPr>
+            </a:br>
+            <a:r>
+              <a:rPr lang="en-US" sz="1200" dirty="0" smtClean="0">
+                <a:latin typeface="Lucida Console" pitchFamily="49" charset="0"/>
+              </a:rPr>
+              <a:t>        .map(number -&gt; number / 3)</a:t>
+            </a:r>
+            <a:br>
+              <a:rPr lang="en-US" sz="1200" dirty="0" smtClean="0">
+                <a:latin typeface="Lucida Console" pitchFamily="49" charset="0"/>
+              </a:rPr>
+            </a:br>
+            <a:r>
+              <a:rPr lang="en-US" sz="1200" dirty="0" smtClean="0">
+                <a:latin typeface="Lucida Console" pitchFamily="49" charset="0"/>
+              </a:rPr>
+              <a:t>        .</a:t>
+            </a:r>
+            <a:r>
+              <a:rPr lang="en-US" sz="1200" dirty="0" err="1" smtClean="0">
+                <a:latin typeface="Lucida Console" pitchFamily="49" charset="0"/>
+              </a:rPr>
+              <a:t>forEach</a:t>
+            </a:r>
+            <a:r>
+              <a:rPr lang="en-US" sz="1200" dirty="0" smtClean="0">
+                <a:latin typeface="Lucida Console" pitchFamily="49" charset="0"/>
+              </a:rPr>
+              <a:t>(</a:t>
+            </a:r>
+            <a:r>
+              <a:rPr lang="en-US" sz="1200" dirty="0" err="1" smtClean="0">
+                <a:latin typeface="Lucida Console" pitchFamily="49" charset="0"/>
+              </a:rPr>
+              <a:t>System.</a:t>
+            </a:r>
+            <a:r>
+              <a:rPr lang="en-US" sz="1200" b="1" i="1" dirty="0" err="1" smtClean="0">
+                <a:latin typeface="Lucida Console" pitchFamily="49" charset="0"/>
+              </a:rPr>
+              <a:t>out</a:t>
+            </a:r>
+            <a:r>
+              <a:rPr lang="en-US" sz="1200" dirty="0" smtClean="0">
+                <a:latin typeface="Lucida Console" pitchFamily="49" charset="0"/>
+              </a:rPr>
+              <a:t>::</a:t>
+            </a:r>
+            <a:r>
+              <a:rPr lang="en-US" sz="1200" dirty="0" err="1" smtClean="0">
+                <a:latin typeface="Lucida Console" pitchFamily="49" charset="0"/>
+              </a:rPr>
+              <a:t>println</a:t>
+            </a:r>
+            <a:r>
+              <a:rPr lang="en-US" sz="1200" dirty="0" smtClean="0">
+                <a:latin typeface="Lucida Console" pitchFamily="49" charset="0"/>
+              </a:rPr>
+              <a:t>);</a:t>
+            </a:r>
+          </a:p>
+        </p:txBody>
+      </p:sp>
+      <p:sp>
+        <p:nvSpPr>
+          <p:cNvPr id="13" name="Flèche droite 12"/>
           <p:cNvSpPr/>
           <p:nvPr/>
         </p:nvSpPr>
         <p:spPr>
-          <a:xfrm rot="5400000">
-            <a:off x="-558570" y="3483006"/>
-            <a:ext cx="4392488" cy="540060"/>
+          <a:xfrm rot="8100000">
+            <a:off x="4019960" y="4083094"/>
+            <a:ext cx="648072" cy="540060"/>
           </a:xfrm>
           <a:prstGeom prst="rightArrow">
             <a:avLst>
@@ -3582,8 +4875,8 @@
             </a:avLst>
           </a:prstGeom>
           <a:solidFill>
-            <a:schemeClr val="bg1">
-              <a:lumMod val="85000"/>
+            <a:schemeClr val="accent6">
+              <a:lumMod val="75000"/>
             </a:schemeClr>
           </a:solidFill>
           <a:ln>
@@ -3617,1305 +4910,13 @@
       </p:sp>
       <p:sp>
         <p:nvSpPr>
-          <p:cNvPr id="9" name="ZoneTexte 8"/>
-          <p:cNvSpPr txBox="1"/>
-          <p:nvPr/>
-        </p:nvSpPr>
-        <p:spPr>
-          <a:xfrm>
-            <a:off x="251520" y="260648"/>
-            <a:ext cx="3810659" cy="1569660"/>
-          </a:xfrm>
-          <a:prstGeom prst="rect">
-            <a:avLst/>
-          </a:prstGeom>
-          <a:noFill/>
-        </p:spPr>
-        <p:txBody>
-          <a:bodyPr wrap="none" rtlCol="0">
-            <a:spAutoFit/>
-          </a:bodyPr>
-          <a:lstStyle/>
-          <a:p>
-            <a:r>
-              <a:rPr lang="fr-FR" sz="1200" b="1" dirty="0" err="1" smtClean="0">
-                <a:latin typeface="Lucida Console" pitchFamily="49" charset="0"/>
-              </a:rPr>
-              <a:t>int</a:t>
-            </a:r>
-            <a:r>
-              <a:rPr lang="fr-FR" sz="1200" b="1" dirty="0" smtClean="0">
-                <a:latin typeface="Lucida Console" pitchFamily="49" charset="0"/>
-              </a:rPr>
-              <a:t> </a:t>
-            </a:r>
-            <a:r>
-              <a:rPr lang="fr-FR" sz="1200" dirty="0" smtClean="0">
-                <a:latin typeface="Lucida Console" pitchFamily="49" charset="0"/>
-              </a:rPr>
-              <a:t>i = 0;</a:t>
-            </a:r>
-            <a:br>
-              <a:rPr lang="fr-FR" sz="1200" dirty="0" smtClean="0">
-                <a:latin typeface="Lucida Console" pitchFamily="49" charset="0"/>
-              </a:rPr>
-            </a:br>
-            <a:r>
-              <a:rPr lang="fr-FR" sz="1200" b="1" dirty="0" err="1" smtClean="0">
-                <a:latin typeface="Lucida Console" pitchFamily="49" charset="0"/>
-              </a:rPr>
-              <a:t>while</a:t>
-            </a:r>
-            <a:r>
-              <a:rPr lang="fr-FR" sz="1200" b="1" dirty="0" smtClean="0">
-                <a:latin typeface="Lucida Console" pitchFamily="49" charset="0"/>
-              </a:rPr>
-              <a:t> </a:t>
-            </a:r>
-            <a:r>
-              <a:rPr lang="fr-FR" sz="1200" dirty="0" smtClean="0">
-                <a:latin typeface="Lucida Console" pitchFamily="49" charset="0"/>
-              </a:rPr>
-              <a:t>(i &lt; </a:t>
-            </a:r>
-            <a:r>
-              <a:rPr lang="fr-FR" sz="1200" dirty="0" err="1" smtClean="0">
-                <a:latin typeface="Lucida Console" pitchFamily="49" charset="0"/>
-              </a:rPr>
-              <a:t>numbers.size</a:t>
-            </a:r>
-            <a:r>
-              <a:rPr lang="fr-FR" sz="1200" dirty="0" smtClean="0">
-                <a:latin typeface="Lucida Console" pitchFamily="49" charset="0"/>
-              </a:rPr>
-              <a:t>()) {</a:t>
-            </a:r>
-            <a:br>
-              <a:rPr lang="fr-FR" sz="1200" dirty="0" smtClean="0">
-                <a:latin typeface="Lucida Console" pitchFamily="49" charset="0"/>
-              </a:rPr>
-            </a:br>
-            <a:r>
-              <a:rPr lang="fr-FR" sz="1200" dirty="0" smtClean="0">
-                <a:latin typeface="Lucida Console" pitchFamily="49" charset="0"/>
-              </a:rPr>
-              <a:t>    </a:t>
-            </a:r>
-            <a:r>
-              <a:rPr lang="fr-FR" sz="1200" dirty="0" err="1" smtClean="0">
-                <a:latin typeface="Lucida Console" pitchFamily="49" charset="0"/>
-              </a:rPr>
-              <a:t>Integer</a:t>
-            </a:r>
-            <a:r>
-              <a:rPr lang="fr-FR" sz="1200" dirty="0" smtClean="0">
-                <a:latin typeface="Lucida Console" pitchFamily="49" charset="0"/>
-              </a:rPr>
-              <a:t> </a:t>
-            </a:r>
-            <a:r>
-              <a:rPr lang="fr-FR" sz="1200" dirty="0" err="1" smtClean="0">
-                <a:latin typeface="Lucida Console" pitchFamily="49" charset="0"/>
-              </a:rPr>
-              <a:t>number</a:t>
-            </a:r>
-            <a:r>
-              <a:rPr lang="fr-FR" sz="1200" dirty="0" smtClean="0">
-                <a:latin typeface="Lucida Console" pitchFamily="49" charset="0"/>
-              </a:rPr>
-              <a:t> = numbers.get(i);</a:t>
-            </a:r>
-            <a:br>
-              <a:rPr lang="fr-FR" sz="1200" dirty="0" smtClean="0">
-                <a:latin typeface="Lucida Console" pitchFamily="49" charset="0"/>
-              </a:rPr>
-            </a:br>
-            <a:r>
-              <a:rPr lang="fr-FR" sz="1200" dirty="0" smtClean="0">
-                <a:latin typeface="Lucida Console" pitchFamily="49" charset="0"/>
-              </a:rPr>
-              <a:t>    </a:t>
-            </a:r>
-            <a:r>
-              <a:rPr lang="fr-FR" sz="1200" b="1" dirty="0" smtClean="0">
-                <a:latin typeface="Lucida Console" pitchFamily="49" charset="0"/>
-              </a:rPr>
-              <a:t>if </a:t>
-            </a:r>
-            <a:r>
-              <a:rPr lang="fr-FR" sz="1200" dirty="0" smtClean="0">
-                <a:latin typeface="Lucida Console" pitchFamily="49" charset="0"/>
-              </a:rPr>
-              <a:t>(</a:t>
-            </a:r>
-            <a:r>
-              <a:rPr lang="fr-FR" sz="1200" dirty="0" err="1" smtClean="0">
-                <a:latin typeface="Lucida Console" pitchFamily="49" charset="0"/>
-              </a:rPr>
-              <a:t>number</a:t>
-            </a:r>
-            <a:r>
-              <a:rPr lang="fr-FR" sz="1200" dirty="0" smtClean="0">
-                <a:latin typeface="Lucida Console" pitchFamily="49" charset="0"/>
-              </a:rPr>
-              <a:t> % 3 == 0) {</a:t>
-            </a:r>
-            <a:br>
-              <a:rPr lang="fr-FR" sz="1200" dirty="0" smtClean="0">
-                <a:latin typeface="Lucida Console" pitchFamily="49" charset="0"/>
-              </a:rPr>
-            </a:br>
-            <a:r>
-              <a:rPr lang="fr-FR" sz="1200" dirty="0" smtClean="0">
-                <a:latin typeface="Lucida Console" pitchFamily="49" charset="0"/>
-              </a:rPr>
-              <a:t>        System.</a:t>
-            </a:r>
-            <a:r>
-              <a:rPr lang="fr-FR" sz="1200" b="1" i="1" dirty="0" smtClean="0">
-                <a:latin typeface="Lucida Console" pitchFamily="49" charset="0"/>
-              </a:rPr>
-              <a:t>out</a:t>
-            </a:r>
-            <a:r>
-              <a:rPr lang="fr-FR" sz="1200" dirty="0" smtClean="0">
-                <a:latin typeface="Lucida Console" pitchFamily="49" charset="0"/>
-              </a:rPr>
-              <a:t>.println(</a:t>
-            </a:r>
-            <a:r>
-              <a:rPr lang="fr-FR" sz="1200" dirty="0" err="1" smtClean="0">
-                <a:latin typeface="Lucida Console" pitchFamily="49" charset="0"/>
-              </a:rPr>
-              <a:t>number</a:t>
-            </a:r>
-            <a:r>
-              <a:rPr lang="fr-FR" sz="1200" dirty="0" smtClean="0">
-                <a:latin typeface="Lucida Console" pitchFamily="49" charset="0"/>
-              </a:rPr>
-              <a:t> / 3);</a:t>
-            </a:r>
-            <a:br>
-              <a:rPr lang="fr-FR" sz="1200" dirty="0" smtClean="0">
-                <a:latin typeface="Lucida Console" pitchFamily="49" charset="0"/>
-              </a:rPr>
-            </a:br>
-            <a:r>
-              <a:rPr lang="fr-FR" sz="1200" dirty="0" smtClean="0">
-                <a:latin typeface="Lucida Console" pitchFamily="49" charset="0"/>
-              </a:rPr>
-              <a:t>    }</a:t>
-            </a:r>
-            <a:br>
-              <a:rPr lang="fr-FR" sz="1200" dirty="0" smtClean="0">
-                <a:latin typeface="Lucida Console" pitchFamily="49" charset="0"/>
-              </a:rPr>
-            </a:br>
-            <a:r>
-              <a:rPr lang="fr-FR" sz="1200" dirty="0" smtClean="0">
-                <a:latin typeface="Lucida Console" pitchFamily="49" charset="0"/>
-              </a:rPr>
-              <a:t>    i++;</a:t>
-            </a:r>
-            <a:br>
-              <a:rPr lang="fr-FR" sz="1200" dirty="0" smtClean="0">
-                <a:latin typeface="Lucida Console" pitchFamily="49" charset="0"/>
-              </a:rPr>
-            </a:br>
-            <a:r>
-              <a:rPr lang="fr-FR" sz="1200" dirty="0" smtClean="0">
-                <a:latin typeface="Lucida Console" pitchFamily="49" charset="0"/>
-              </a:rPr>
-              <a:t>}</a:t>
-            </a:r>
-          </a:p>
-        </p:txBody>
-      </p:sp>
-      <p:sp>
-        <p:nvSpPr>
-          <p:cNvPr id="11" name="ZoneTexte 10"/>
-          <p:cNvSpPr txBox="1"/>
-          <p:nvPr/>
-        </p:nvSpPr>
-        <p:spPr>
-          <a:xfrm>
-            <a:off x="2544116" y="1484784"/>
-            <a:ext cx="6599884" cy="3046988"/>
-          </a:xfrm>
-          <a:prstGeom prst="rect">
-            <a:avLst/>
-          </a:prstGeom>
-          <a:noFill/>
-        </p:spPr>
-        <p:txBody>
-          <a:bodyPr wrap="none" rtlCol="0">
-            <a:spAutoFit/>
-          </a:bodyPr>
-          <a:lstStyle/>
-          <a:p>
-            <a:r>
-              <a:rPr lang="fr-FR" sz="1200" dirty="0" err="1" smtClean="0">
-                <a:solidFill>
-                  <a:schemeClr val="bg1">
-                    <a:lumMod val="50000"/>
-                  </a:schemeClr>
-                </a:solidFill>
-                <a:latin typeface="Lucida Console" pitchFamily="49" charset="0"/>
-              </a:rPr>
-              <a:t>Iterator</a:t>
-            </a:r>
-            <a:r>
-              <a:rPr lang="fr-FR" sz="1200" dirty="0" smtClean="0">
-                <a:solidFill>
-                  <a:schemeClr val="bg1">
-                    <a:lumMod val="50000"/>
-                  </a:schemeClr>
-                </a:solidFill>
-                <a:latin typeface="Lucida Console" pitchFamily="49" charset="0"/>
-              </a:rPr>
-              <a:t>&lt;</a:t>
-            </a:r>
-            <a:r>
-              <a:rPr lang="fr-FR" sz="1200" dirty="0" err="1" smtClean="0">
-                <a:solidFill>
-                  <a:schemeClr val="bg1">
-                    <a:lumMod val="50000"/>
-                  </a:schemeClr>
-                </a:solidFill>
-                <a:latin typeface="Lucida Console" pitchFamily="49" charset="0"/>
-              </a:rPr>
-              <a:t>Integer</a:t>
-            </a:r>
-            <a:r>
-              <a:rPr lang="fr-FR" sz="1200" dirty="0" smtClean="0">
-                <a:solidFill>
-                  <a:schemeClr val="bg1">
-                    <a:lumMod val="50000"/>
-                  </a:schemeClr>
-                </a:solidFill>
-                <a:latin typeface="Lucida Console" pitchFamily="49" charset="0"/>
-              </a:rPr>
-              <a:t>&gt; </a:t>
-            </a:r>
-            <a:r>
-              <a:rPr lang="fr-FR" sz="1200" dirty="0" err="1" smtClean="0">
-                <a:solidFill>
-                  <a:schemeClr val="bg1">
-                    <a:lumMod val="50000"/>
-                  </a:schemeClr>
-                </a:solidFill>
-                <a:latin typeface="Lucida Console" pitchFamily="49" charset="0"/>
-              </a:rPr>
-              <a:t>iterator</a:t>
-            </a:r>
-            <a:r>
-              <a:rPr lang="fr-FR" sz="1200" dirty="0" smtClean="0">
-                <a:solidFill>
-                  <a:schemeClr val="bg1">
-                    <a:lumMod val="50000"/>
-                  </a:schemeClr>
-                </a:solidFill>
-                <a:latin typeface="Lucida Console" pitchFamily="49" charset="0"/>
-              </a:rPr>
-              <a:t> = </a:t>
-            </a:r>
-            <a:r>
-              <a:rPr lang="fr-FR" sz="1200" dirty="0" err="1" smtClean="0">
-                <a:solidFill>
-                  <a:schemeClr val="bg1">
-                    <a:lumMod val="50000"/>
-                  </a:schemeClr>
-                </a:solidFill>
-                <a:latin typeface="Lucida Console" pitchFamily="49" charset="0"/>
-              </a:rPr>
-              <a:t>numbers.iterator</a:t>
-            </a:r>
-            <a:r>
-              <a:rPr lang="fr-FR" sz="1200" dirty="0" smtClean="0">
-                <a:solidFill>
-                  <a:schemeClr val="bg1">
-                    <a:lumMod val="50000"/>
-                  </a:schemeClr>
-                </a:solidFill>
-                <a:latin typeface="Lucida Console" pitchFamily="49" charset="0"/>
-              </a:rPr>
-              <a:t>();</a:t>
-            </a:r>
-            <a:br>
-              <a:rPr lang="fr-FR" sz="1200" dirty="0" smtClean="0">
-                <a:solidFill>
-                  <a:schemeClr val="bg1">
-                    <a:lumMod val="50000"/>
-                  </a:schemeClr>
-                </a:solidFill>
-                <a:latin typeface="Lucida Console" pitchFamily="49" charset="0"/>
-              </a:rPr>
-            </a:br>
-            <a:r>
-              <a:rPr lang="fr-FR" sz="1200" b="1" dirty="0" err="1" smtClean="0">
-                <a:solidFill>
-                  <a:schemeClr val="bg1">
-                    <a:lumMod val="50000"/>
-                  </a:schemeClr>
-                </a:solidFill>
-                <a:latin typeface="Lucida Console" pitchFamily="49" charset="0"/>
-              </a:rPr>
-              <a:t>while</a:t>
-            </a:r>
-            <a:r>
-              <a:rPr lang="fr-FR" sz="1200" b="1" dirty="0" smtClean="0">
-                <a:solidFill>
-                  <a:schemeClr val="bg1">
-                    <a:lumMod val="50000"/>
-                  </a:schemeClr>
-                </a:solidFill>
-                <a:latin typeface="Lucida Console" pitchFamily="49" charset="0"/>
-              </a:rPr>
-              <a:t> </a:t>
-            </a:r>
-            <a:r>
-              <a:rPr lang="fr-FR" sz="1200" dirty="0" smtClean="0">
-                <a:solidFill>
-                  <a:schemeClr val="bg1">
-                    <a:lumMod val="50000"/>
-                  </a:schemeClr>
-                </a:solidFill>
-                <a:latin typeface="Lucida Console" pitchFamily="49" charset="0"/>
-              </a:rPr>
-              <a:t>(</a:t>
-            </a:r>
-            <a:r>
-              <a:rPr lang="fr-FR" sz="1200" dirty="0" err="1" smtClean="0">
-                <a:solidFill>
-                  <a:schemeClr val="bg1">
-                    <a:lumMod val="50000"/>
-                  </a:schemeClr>
-                </a:solidFill>
-                <a:latin typeface="Lucida Console" pitchFamily="49" charset="0"/>
-              </a:rPr>
-              <a:t>iterator.hasNext</a:t>
-            </a:r>
-            <a:r>
-              <a:rPr lang="fr-FR" sz="1200" dirty="0" smtClean="0">
-                <a:solidFill>
-                  <a:schemeClr val="bg1">
-                    <a:lumMod val="50000"/>
-                  </a:schemeClr>
-                </a:solidFill>
-                <a:latin typeface="Lucida Console" pitchFamily="49" charset="0"/>
-              </a:rPr>
-              <a:t>()) {</a:t>
-            </a:r>
-            <a:br>
-              <a:rPr lang="fr-FR" sz="1200" dirty="0" smtClean="0">
-                <a:solidFill>
-                  <a:schemeClr val="bg1">
-                    <a:lumMod val="50000"/>
-                  </a:schemeClr>
-                </a:solidFill>
-                <a:latin typeface="Lucida Console" pitchFamily="49" charset="0"/>
-              </a:rPr>
-            </a:br>
-            <a:r>
-              <a:rPr lang="fr-FR" sz="1200" dirty="0" smtClean="0">
-                <a:solidFill>
-                  <a:schemeClr val="bg1">
-                    <a:lumMod val="50000"/>
-                  </a:schemeClr>
-                </a:solidFill>
-                <a:latin typeface="Lucida Console" pitchFamily="49" charset="0"/>
-              </a:rPr>
-              <a:t>    </a:t>
-            </a:r>
-            <a:r>
-              <a:rPr lang="fr-FR" sz="1200" dirty="0" err="1" smtClean="0">
-                <a:solidFill>
-                  <a:schemeClr val="bg1">
-                    <a:lumMod val="50000"/>
-                  </a:schemeClr>
-                </a:solidFill>
-                <a:latin typeface="Lucida Console" pitchFamily="49" charset="0"/>
-              </a:rPr>
-              <a:t>Integer</a:t>
-            </a:r>
-            <a:r>
-              <a:rPr lang="fr-FR" sz="1200" dirty="0" smtClean="0">
-                <a:solidFill>
-                  <a:schemeClr val="bg1">
-                    <a:lumMod val="50000"/>
-                  </a:schemeClr>
-                </a:solidFill>
-                <a:latin typeface="Lucida Console" pitchFamily="49" charset="0"/>
-              </a:rPr>
-              <a:t> </a:t>
-            </a:r>
-            <a:r>
-              <a:rPr lang="fr-FR" sz="1200" dirty="0" err="1" smtClean="0">
-                <a:solidFill>
-                  <a:schemeClr val="bg1">
-                    <a:lumMod val="50000"/>
-                  </a:schemeClr>
-                </a:solidFill>
-                <a:latin typeface="Lucida Console" pitchFamily="49" charset="0"/>
-              </a:rPr>
-              <a:t>number</a:t>
-            </a:r>
-            <a:r>
-              <a:rPr lang="fr-FR" sz="1200" dirty="0" smtClean="0">
-                <a:solidFill>
-                  <a:schemeClr val="bg1">
-                    <a:lumMod val="50000"/>
-                  </a:schemeClr>
-                </a:solidFill>
-                <a:latin typeface="Lucida Console" pitchFamily="49" charset="0"/>
-              </a:rPr>
-              <a:t> = </a:t>
-            </a:r>
-            <a:r>
-              <a:rPr lang="fr-FR" sz="1200" dirty="0" err="1" smtClean="0">
-                <a:solidFill>
-                  <a:schemeClr val="bg1">
-                    <a:lumMod val="50000"/>
-                  </a:schemeClr>
-                </a:solidFill>
-                <a:latin typeface="Lucida Console" pitchFamily="49" charset="0"/>
-              </a:rPr>
-              <a:t>iterator.next</a:t>
-            </a:r>
-            <a:r>
-              <a:rPr lang="fr-FR" sz="1200" dirty="0" smtClean="0">
-                <a:solidFill>
-                  <a:schemeClr val="bg1">
-                    <a:lumMod val="50000"/>
-                  </a:schemeClr>
-                </a:solidFill>
-                <a:latin typeface="Lucida Console" pitchFamily="49" charset="0"/>
-              </a:rPr>
-              <a:t>();</a:t>
-            </a:r>
-            <a:br>
-              <a:rPr lang="fr-FR" sz="1200" dirty="0" smtClean="0">
-                <a:solidFill>
-                  <a:schemeClr val="bg1">
-                    <a:lumMod val="50000"/>
-                  </a:schemeClr>
-                </a:solidFill>
-                <a:latin typeface="Lucida Console" pitchFamily="49" charset="0"/>
-              </a:rPr>
-            </a:br>
-            <a:r>
-              <a:rPr lang="fr-FR" sz="1200" dirty="0" smtClean="0">
-                <a:solidFill>
-                  <a:schemeClr val="bg1">
-                    <a:lumMod val="50000"/>
-                  </a:schemeClr>
-                </a:solidFill>
-                <a:latin typeface="Lucida Console" pitchFamily="49" charset="0"/>
-              </a:rPr>
-              <a:t>    </a:t>
-            </a:r>
-            <a:r>
-              <a:rPr lang="fr-FR" sz="1200" b="1" dirty="0" smtClean="0">
-                <a:solidFill>
-                  <a:schemeClr val="bg1">
-                    <a:lumMod val="50000"/>
-                  </a:schemeClr>
-                </a:solidFill>
-                <a:latin typeface="Lucida Console" pitchFamily="49" charset="0"/>
-              </a:rPr>
-              <a:t>if </a:t>
-            </a:r>
-            <a:r>
-              <a:rPr lang="fr-FR" sz="1200" dirty="0" smtClean="0">
-                <a:solidFill>
-                  <a:schemeClr val="bg1">
-                    <a:lumMod val="50000"/>
-                  </a:schemeClr>
-                </a:solidFill>
-                <a:latin typeface="Lucida Console" pitchFamily="49" charset="0"/>
-              </a:rPr>
-              <a:t>(</a:t>
-            </a:r>
-            <a:r>
-              <a:rPr lang="fr-FR" sz="1200" dirty="0" err="1" smtClean="0">
-                <a:solidFill>
-                  <a:schemeClr val="bg1">
-                    <a:lumMod val="50000"/>
-                  </a:schemeClr>
-                </a:solidFill>
-                <a:latin typeface="Lucida Console" pitchFamily="49" charset="0"/>
-              </a:rPr>
-              <a:t>number</a:t>
-            </a:r>
-            <a:r>
-              <a:rPr lang="fr-FR" sz="1200" dirty="0" smtClean="0">
-                <a:solidFill>
-                  <a:schemeClr val="bg1">
-                    <a:lumMod val="50000"/>
-                  </a:schemeClr>
-                </a:solidFill>
-                <a:latin typeface="Lucida Console" pitchFamily="49" charset="0"/>
-              </a:rPr>
-              <a:t> % 3 == 0) {</a:t>
-            </a:r>
-            <a:br>
-              <a:rPr lang="fr-FR" sz="1200" dirty="0" smtClean="0">
-                <a:solidFill>
-                  <a:schemeClr val="bg1">
-                    <a:lumMod val="50000"/>
-                  </a:schemeClr>
-                </a:solidFill>
-                <a:latin typeface="Lucida Console" pitchFamily="49" charset="0"/>
-              </a:rPr>
-            </a:br>
-            <a:r>
-              <a:rPr lang="fr-FR" sz="1200" dirty="0" smtClean="0">
-                <a:solidFill>
-                  <a:schemeClr val="bg1">
-                    <a:lumMod val="50000"/>
-                  </a:schemeClr>
-                </a:solidFill>
-                <a:latin typeface="Lucida Console" pitchFamily="49" charset="0"/>
-              </a:rPr>
-              <a:t>        System.</a:t>
-            </a:r>
-            <a:r>
-              <a:rPr lang="fr-FR" sz="1200" b="1" i="1" dirty="0" smtClean="0">
-                <a:solidFill>
-                  <a:schemeClr val="bg1">
-                    <a:lumMod val="50000"/>
-                  </a:schemeClr>
-                </a:solidFill>
-                <a:latin typeface="Lucida Console" pitchFamily="49" charset="0"/>
-              </a:rPr>
-              <a:t>out</a:t>
-            </a:r>
-            <a:r>
-              <a:rPr lang="fr-FR" sz="1200" dirty="0" smtClean="0">
-                <a:solidFill>
-                  <a:schemeClr val="bg1">
-                    <a:lumMod val="50000"/>
-                  </a:schemeClr>
-                </a:solidFill>
-                <a:latin typeface="Lucida Console" pitchFamily="49" charset="0"/>
-              </a:rPr>
-              <a:t>.println(</a:t>
-            </a:r>
-            <a:r>
-              <a:rPr lang="fr-FR" sz="1200" dirty="0" err="1" smtClean="0">
-                <a:solidFill>
-                  <a:schemeClr val="bg1">
-                    <a:lumMod val="50000"/>
-                  </a:schemeClr>
-                </a:solidFill>
-                <a:latin typeface="Lucida Console" pitchFamily="49" charset="0"/>
-              </a:rPr>
-              <a:t>number</a:t>
-            </a:r>
-            <a:r>
-              <a:rPr lang="fr-FR" sz="1200" dirty="0" smtClean="0">
-                <a:solidFill>
-                  <a:schemeClr val="bg1">
-                    <a:lumMod val="50000"/>
-                  </a:schemeClr>
-                </a:solidFill>
-                <a:latin typeface="Lucida Console" pitchFamily="49" charset="0"/>
-              </a:rPr>
-              <a:t> / 3);</a:t>
-            </a:r>
-            <a:br>
-              <a:rPr lang="fr-FR" sz="1200" dirty="0" smtClean="0">
-                <a:solidFill>
-                  <a:schemeClr val="bg1">
-                    <a:lumMod val="50000"/>
-                  </a:schemeClr>
-                </a:solidFill>
-                <a:latin typeface="Lucida Console" pitchFamily="49" charset="0"/>
-              </a:rPr>
-            </a:br>
-            <a:r>
-              <a:rPr lang="fr-FR" sz="1200" dirty="0" smtClean="0">
-                <a:solidFill>
-                  <a:schemeClr val="bg1">
-                    <a:lumMod val="50000"/>
-                  </a:schemeClr>
-                </a:solidFill>
-                <a:latin typeface="Lucida Console" pitchFamily="49" charset="0"/>
-              </a:rPr>
-              <a:t>    }</a:t>
-            </a:r>
-            <a:br>
-              <a:rPr lang="fr-FR" sz="1200" dirty="0" smtClean="0">
-                <a:solidFill>
-                  <a:schemeClr val="bg1">
-                    <a:lumMod val="50000"/>
-                  </a:schemeClr>
-                </a:solidFill>
-                <a:latin typeface="Lucida Console" pitchFamily="49" charset="0"/>
-              </a:rPr>
-            </a:br>
-            <a:r>
-              <a:rPr lang="fr-FR" sz="1200" dirty="0" smtClean="0">
-                <a:solidFill>
-                  <a:schemeClr val="bg1">
-                    <a:lumMod val="50000"/>
-                  </a:schemeClr>
-                </a:solidFill>
-                <a:latin typeface="Lucida Console" pitchFamily="49" charset="0"/>
-              </a:rPr>
-              <a:t>}</a:t>
-            </a:r>
-          </a:p>
-          <a:p>
-            <a:endParaRPr lang="fr-FR" sz="1200" dirty="0" smtClean="0">
-              <a:solidFill>
-                <a:schemeClr val="bg1">
-                  <a:lumMod val="50000"/>
-                </a:schemeClr>
-              </a:solidFill>
-              <a:latin typeface="Lucida Console" pitchFamily="49" charset="0"/>
-            </a:endParaRPr>
-          </a:p>
-          <a:p>
-            <a:endParaRPr lang="fr-FR" sz="1200" dirty="0" smtClean="0">
-              <a:solidFill>
-                <a:schemeClr val="bg1">
-                  <a:lumMod val="50000"/>
-                </a:schemeClr>
-              </a:solidFill>
-              <a:latin typeface="Lucida Console" pitchFamily="49" charset="0"/>
-            </a:endParaRPr>
-          </a:p>
-          <a:p>
-            <a:r>
-              <a:rPr lang="fr-FR" sz="1200" b="1" dirty="0" smtClean="0">
-                <a:solidFill>
-                  <a:schemeClr val="bg1">
-                    <a:lumMod val="50000"/>
-                  </a:schemeClr>
-                </a:solidFill>
-                <a:latin typeface="Lucida Console" pitchFamily="49" charset="0"/>
-              </a:rPr>
-              <a:t>for </a:t>
-            </a:r>
-            <a:r>
-              <a:rPr lang="fr-FR" sz="1200" dirty="0" smtClean="0">
-                <a:solidFill>
-                  <a:schemeClr val="bg1">
-                    <a:lumMod val="50000"/>
-                  </a:schemeClr>
-                </a:solidFill>
-                <a:latin typeface="Lucida Console" pitchFamily="49" charset="0"/>
-              </a:rPr>
-              <a:t>(</a:t>
-            </a:r>
-            <a:r>
-              <a:rPr lang="fr-FR" sz="1200" dirty="0" err="1" smtClean="0">
-                <a:solidFill>
-                  <a:schemeClr val="bg1">
-                    <a:lumMod val="50000"/>
-                  </a:schemeClr>
-                </a:solidFill>
-                <a:latin typeface="Lucida Console" pitchFamily="49" charset="0"/>
-              </a:rPr>
-              <a:t>Iterator</a:t>
-            </a:r>
-            <a:r>
-              <a:rPr lang="fr-FR" sz="1200" dirty="0" smtClean="0">
-                <a:solidFill>
-                  <a:schemeClr val="bg1">
-                    <a:lumMod val="50000"/>
-                  </a:schemeClr>
-                </a:solidFill>
-                <a:latin typeface="Lucida Console" pitchFamily="49" charset="0"/>
-              </a:rPr>
-              <a:t>&lt;</a:t>
-            </a:r>
-            <a:r>
-              <a:rPr lang="fr-FR" sz="1200" dirty="0" err="1" smtClean="0">
-                <a:solidFill>
-                  <a:schemeClr val="bg1">
-                    <a:lumMod val="50000"/>
-                  </a:schemeClr>
-                </a:solidFill>
-                <a:latin typeface="Lucida Console" pitchFamily="49" charset="0"/>
-              </a:rPr>
-              <a:t>Integer</a:t>
-            </a:r>
-            <a:r>
-              <a:rPr lang="fr-FR" sz="1200" dirty="0" smtClean="0">
-                <a:solidFill>
-                  <a:schemeClr val="bg1">
-                    <a:lumMod val="50000"/>
-                  </a:schemeClr>
-                </a:solidFill>
-                <a:latin typeface="Lucida Console" pitchFamily="49" charset="0"/>
-              </a:rPr>
-              <a:t>&gt; </a:t>
-            </a:r>
-            <a:r>
-              <a:rPr lang="fr-FR" sz="1200" dirty="0" err="1" smtClean="0">
-                <a:solidFill>
-                  <a:schemeClr val="bg1">
-                    <a:lumMod val="50000"/>
-                  </a:schemeClr>
-                </a:solidFill>
-                <a:latin typeface="Lucida Console" pitchFamily="49" charset="0"/>
-              </a:rPr>
-              <a:t>iter</a:t>
-            </a:r>
-            <a:r>
-              <a:rPr lang="fr-FR" sz="1200" dirty="0" smtClean="0">
-                <a:solidFill>
-                  <a:schemeClr val="bg1">
-                    <a:lumMod val="50000"/>
-                  </a:schemeClr>
-                </a:solidFill>
-                <a:latin typeface="Lucida Console" pitchFamily="49" charset="0"/>
-              </a:rPr>
-              <a:t> = </a:t>
-            </a:r>
-            <a:r>
-              <a:rPr lang="fr-FR" sz="1200" dirty="0" err="1" smtClean="0">
-                <a:solidFill>
-                  <a:schemeClr val="bg1">
-                    <a:lumMod val="50000"/>
-                  </a:schemeClr>
-                </a:solidFill>
-                <a:latin typeface="Lucida Console" pitchFamily="49" charset="0"/>
-              </a:rPr>
-              <a:t>numbers.iterator</a:t>
-            </a:r>
-            <a:r>
-              <a:rPr lang="fr-FR" sz="1200" dirty="0" smtClean="0">
-                <a:solidFill>
-                  <a:schemeClr val="bg1">
-                    <a:lumMod val="50000"/>
-                  </a:schemeClr>
-                </a:solidFill>
-                <a:latin typeface="Lucida Console" pitchFamily="49" charset="0"/>
-              </a:rPr>
-              <a:t>(); </a:t>
-            </a:r>
-            <a:r>
-              <a:rPr lang="fr-FR" sz="1200" dirty="0" err="1" smtClean="0">
-                <a:solidFill>
-                  <a:schemeClr val="bg1">
-                    <a:lumMod val="50000"/>
-                  </a:schemeClr>
-                </a:solidFill>
-                <a:latin typeface="Lucida Console" pitchFamily="49" charset="0"/>
-              </a:rPr>
-              <a:t>iter.hasNext</a:t>
-            </a:r>
-            <a:r>
-              <a:rPr lang="fr-FR" sz="1200" dirty="0" smtClean="0">
-                <a:solidFill>
-                  <a:schemeClr val="bg1">
-                    <a:lumMod val="50000"/>
-                  </a:schemeClr>
-                </a:solidFill>
-                <a:latin typeface="Lucida Console" pitchFamily="49" charset="0"/>
-              </a:rPr>
-              <a:t>(); ) {</a:t>
-            </a:r>
-            <a:br>
-              <a:rPr lang="fr-FR" sz="1200" dirty="0" smtClean="0">
-                <a:solidFill>
-                  <a:schemeClr val="bg1">
-                    <a:lumMod val="50000"/>
-                  </a:schemeClr>
-                </a:solidFill>
-                <a:latin typeface="Lucida Console" pitchFamily="49" charset="0"/>
-              </a:rPr>
-            </a:br>
-            <a:r>
-              <a:rPr lang="fr-FR" sz="1200" dirty="0" smtClean="0">
-                <a:solidFill>
-                  <a:schemeClr val="bg1">
-                    <a:lumMod val="50000"/>
-                  </a:schemeClr>
-                </a:solidFill>
-                <a:latin typeface="Lucida Console" pitchFamily="49" charset="0"/>
-              </a:rPr>
-              <a:t>    </a:t>
-            </a:r>
-            <a:r>
-              <a:rPr lang="fr-FR" sz="1200" dirty="0" err="1" smtClean="0">
-                <a:solidFill>
-                  <a:schemeClr val="bg1">
-                    <a:lumMod val="50000"/>
-                  </a:schemeClr>
-                </a:solidFill>
-                <a:latin typeface="Lucida Console" pitchFamily="49" charset="0"/>
-              </a:rPr>
-              <a:t>Integer</a:t>
-            </a:r>
-            <a:r>
-              <a:rPr lang="fr-FR" sz="1200" dirty="0" smtClean="0">
-                <a:solidFill>
-                  <a:schemeClr val="bg1">
-                    <a:lumMod val="50000"/>
-                  </a:schemeClr>
-                </a:solidFill>
-                <a:latin typeface="Lucida Console" pitchFamily="49" charset="0"/>
-              </a:rPr>
-              <a:t> </a:t>
-            </a:r>
-            <a:r>
-              <a:rPr lang="fr-FR" sz="1200" dirty="0" err="1" smtClean="0">
-                <a:solidFill>
-                  <a:schemeClr val="bg1">
-                    <a:lumMod val="50000"/>
-                  </a:schemeClr>
-                </a:solidFill>
-                <a:latin typeface="Lucida Console" pitchFamily="49" charset="0"/>
-              </a:rPr>
-              <a:t>number</a:t>
-            </a:r>
-            <a:r>
-              <a:rPr lang="fr-FR" sz="1200" dirty="0" smtClean="0">
-                <a:solidFill>
-                  <a:schemeClr val="bg1">
-                    <a:lumMod val="50000"/>
-                  </a:schemeClr>
-                </a:solidFill>
-                <a:latin typeface="Lucida Console" pitchFamily="49" charset="0"/>
-              </a:rPr>
-              <a:t> = </a:t>
-            </a:r>
-            <a:r>
-              <a:rPr lang="fr-FR" sz="1200" dirty="0" err="1" smtClean="0">
-                <a:solidFill>
-                  <a:schemeClr val="bg1">
-                    <a:lumMod val="50000"/>
-                  </a:schemeClr>
-                </a:solidFill>
-                <a:latin typeface="Lucida Console" pitchFamily="49" charset="0"/>
-              </a:rPr>
-              <a:t>iter.next</a:t>
-            </a:r>
-            <a:r>
-              <a:rPr lang="fr-FR" sz="1200" dirty="0" smtClean="0">
-                <a:solidFill>
-                  <a:schemeClr val="bg1">
-                    <a:lumMod val="50000"/>
-                  </a:schemeClr>
-                </a:solidFill>
-                <a:latin typeface="Lucida Console" pitchFamily="49" charset="0"/>
-              </a:rPr>
-              <a:t>();</a:t>
-            </a:r>
-            <a:br>
-              <a:rPr lang="fr-FR" sz="1200" dirty="0" smtClean="0">
-                <a:solidFill>
-                  <a:schemeClr val="bg1">
-                    <a:lumMod val="50000"/>
-                  </a:schemeClr>
-                </a:solidFill>
-                <a:latin typeface="Lucida Console" pitchFamily="49" charset="0"/>
-              </a:rPr>
-            </a:br>
-            <a:r>
-              <a:rPr lang="fr-FR" sz="1200" dirty="0" smtClean="0">
-                <a:solidFill>
-                  <a:schemeClr val="bg1">
-                    <a:lumMod val="50000"/>
-                  </a:schemeClr>
-                </a:solidFill>
-                <a:latin typeface="Lucida Console" pitchFamily="49" charset="0"/>
-              </a:rPr>
-              <a:t>    </a:t>
-            </a:r>
-            <a:r>
-              <a:rPr lang="fr-FR" sz="1200" b="1" dirty="0" smtClean="0">
-                <a:solidFill>
-                  <a:schemeClr val="bg1">
-                    <a:lumMod val="50000"/>
-                  </a:schemeClr>
-                </a:solidFill>
-                <a:latin typeface="Lucida Console" pitchFamily="49" charset="0"/>
-              </a:rPr>
-              <a:t>if </a:t>
-            </a:r>
-            <a:r>
-              <a:rPr lang="fr-FR" sz="1200" dirty="0" smtClean="0">
-                <a:solidFill>
-                  <a:schemeClr val="bg1">
-                    <a:lumMod val="50000"/>
-                  </a:schemeClr>
-                </a:solidFill>
-                <a:latin typeface="Lucida Console" pitchFamily="49" charset="0"/>
-              </a:rPr>
-              <a:t>(</a:t>
-            </a:r>
-            <a:r>
-              <a:rPr lang="fr-FR" sz="1200" dirty="0" err="1" smtClean="0">
-                <a:solidFill>
-                  <a:schemeClr val="bg1">
-                    <a:lumMod val="50000"/>
-                  </a:schemeClr>
-                </a:solidFill>
-                <a:latin typeface="Lucida Console" pitchFamily="49" charset="0"/>
-              </a:rPr>
-              <a:t>number</a:t>
-            </a:r>
-            <a:r>
-              <a:rPr lang="fr-FR" sz="1200" dirty="0" smtClean="0">
-                <a:solidFill>
-                  <a:schemeClr val="bg1">
-                    <a:lumMod val="50000"/>
-                  </a:schemeClr>
-                </a:solidFill>
-                <a:latin typeface="Lucida Console" pitchFamily="49" charset="0"/>
-              </a:rPr>
-              <a:t> % 3 == 0) {</a:t>
-            </a:r>
-            <a:br>
-              <a:rPr lang="fr-FR" sz="1200" dirty="0" smtClean="0">
-                <a:solidFill>
-                  <a:schemeClr val="bg1">
-                    <a:lumMod val="50000"/>
-                  </a:schemeClr>
-                </a:solidFill>
-                <a:latin typeface="Lucida Console" pitchFamily="49" charset="0"/>
-              </a:rPr>
-            </a:br>
-            <a:r>
-              <a:rPr lang="fr-FR" sz="1200" dirty="0" smtClean="0">
-                <a:solidFill>
-                  <a:schemeClr val="bg1">
-                    <a:lumMod val="50000"/>
-                  </a:schemeClr>
-                </a:solidFill>
-                <a:latin typeface="Lucida Console" pitchFamily="49" charset="0"/>
-              </a:rPr>
-              <a:t>        System.</a:t>
-            </a:r>
-            <a:r>
-              <a:rPr lang="fr-FR" sz="1200" b="1" i="1" dirty="0" smtClean="0">
-                <a:solidFill>
-                  <a:schemeClr val="bg1">
-                    <a:lumMod val="50000"/>
-                  </a:schemeClr>
-                </a:solidFill>
-                <a:latin typeface="Lucida Console" pitchFamily="49" charset="0"/>
-              </a:rPr>
-              <a:t>out</a:t>
-            </a:r>
-            <a:r>
-              <a:rPr lang="fr-FR" sz="1200" dirty="0" smtClean="0">
-                <a:solidFill>
-                  <a:schemeClr val="bg1">
-                    <a:lumMod val="50000"/>
-                  </a:schemeClr>
-                </a:solidFill>
-                <a:latin typeface="Lucida Console" pitchFamily="49" charset="0"/>
-              </a:rPr>
-              <a:t>.println(</a:t>
-            </a:r>
-            <a:r>
-              <a:rPr lang="fr-FR" sz="1200" dirty="0" err="1" smtClean="0">
-                <a:solidFill>
-                  <a:schemeClr val="bg1">
-                    <a:lumMod val="50000"/>
-                  </a:schemeClr>
-                </a:solidFill>
-                <a:latin typeface="Lucida Console" pitchFamily="49" charset="0"/>
-              </a:rPr>
-              <a:t>number</a:t>
-            </a:r>
-            <a:r>
-              <a:rPr lang="fr-FR" sz="1200" dirty="0" smtClean="0">
-                <a:solidFill>
-                  <a:schemeClr val="bg1">
-                    <a:lumMod val="50000"/>
-                  </a:schemeClr>
-                </a:solidFill>
-                <a:latin typeface="Lucida Console" pitchFamily="49" charset="0"/>
-              </a:rPr>
-              <a:t> / 3);</a:t>
-            </a:r>
-            <a:br>
-              <a:rPr lang="fr-FR" sz="1200" dirty="0" smtClean="0">
-                <a:solidFill>
-                  <a:schemeClr val="bg1">
-                    <a:lumMod val="50000"/>
-                  </a:schemeClr>
-                </a:solidFill>
-                <a:latin typeface="Lucida Console" pitchFamily="49" charset="0"/>
-              </a:rPr>
-            </a:br>
-            <a:r>
-              <a:rPr lang="fr-FR" sz="1200" dirty="0" smtClean="0">
-                <a:solidFill>
-                  <a:schemeClr val="bg1">
-                    <a:lumMod val="50000"/>
-                  </a:schemeClr>
-                </a:solidFill>
-                <a:latin typeface="Lucida Console" pitchFamily="49" charset="0"/>
-              </a:rPr>
-              <a:t>    }</a:t>
-            </a:r>
-            <a:br>
-              <a:rPr lang="fr-FR" sz="1200" dirty="0" smtClean="0">
-                <a:solidFill>
-                  <a:schemeClr val="bg1">
-                    <a:lumMod val="50000"/>
-                  </a:schemeClr>
-                </a:solidFill>
-                <a:latin typeface="Lucida Console" pitchFamily="49" charset="0"/>
-              </a:rPr>
-            </a:br>
-            <a:r>
-              <a:rPr lang="fr-FR" sz="1200" dirty="0" smtClean="0">
-                <a:solidFill>
-                  <a:schemeClr val="bg1">
-                    <a:lumMod val="50000"/>
-                  </a:schemeClr>
-                </a:solidFill>
-                <a:latin typeface="Lucida Console" pitchFamily="49" charset="0"/>
-              </a:rPr>
-              <a:t>}</a:t>
-            </a:r>
-          </a:p>
-          <a:p>
-            <a:endParaRPr lang="fr-FR" sz="1200" dirty="0">
-              <a:solidFill>
-                <a:schemeClr val="bg1">
-                  <a:lumMod val="50000"/>
-                </a:schemeClr>
-              </a:solidFill>
-              <a:latin typeface="Lucida Console" pitchFamily="49" charset="0"/>
-            </a:endParaRPr>
-          </a:p>
-        </p:txBody>
-      </p:sp>
-      <p:sp>
-        <p:nvSpPr>
-          <p:cNvPr id="12" name="ZoneTexte 11"/>
-          <p:cNvSpPr txBox="1"/>
-          <p:nvPr/>
-        </p:nvSpPr>
-        <p:spPr>
-          <a:xfrm>
-            <a:off x="251520" y="4581128"/>
-            <a:ext cx="4089581" cy="2123658"/>
-          </a:xfrm>
-          <a:prstGeom prst="rect">
-            <a:avLst/>
-          </a:prstGeom>
-          <a:noFill/>
-        </p:spPr>
-        <p:txBody>
-          <a:bodyPr wrap="none" rtlCol="0">
-            <a:spAutoFit/>
-          </a:bodyPr>
-          <a:lstStyle/>
-          <a:p>
-            <a:r>
-              <a:rPr lang="en-US" sz="1200" b="1" dirty="0" smtClean="0">
-                <a:latin typeface="Lucida Console" pitchFamily="49" charset="0"/>
-              </a:rPr>
-              <a:t>for </a:t>
-            </a:r>
-            <a:r>
-              <a:rPr lang="en-US" sz="1200" dirty="0" smtClean="0">
-                <a:latin typeface="Lucida Console" pitchFamily="49" charset="0"/>
-              </a:rPr>
-              <a:t>(Integer number : numbers) {</a:t>
-            </a:r>
-            <a:br>
-              <a:rPr lang="en-US" sz="1200" dirty="0" smtClean="0">
-                <a:latin typeface="Lucida Console" pitchFamily="49" charset="0"/>
-              </a:rPr>
-            </a:br>
-            <a:r>
-              <a:rPr lang="en-US" sz="1200" dirty="0" smtClean="0">
-                <a:latin typeface="Lucida Console" pitchFamily="49" charset="0"/>
-              </a:rPr>
-              <a:t>    </a:t>
-            </a:r>
-            <a:r>
-              <a:rPr lang="en-US" sz="1200" b="1" dirty="0" smtClean="0">
-                <a:latin typeface="Lucida Console" pitchFamily="49" charset="0"/>
-              </a:rPr>
-              <a:t>if </a:t>
-            </a:r>
-            <a:r>
-              <a:rPr lang="en-US" sz="1200" dirty="0" smtClean="0">
-                <a:latin typeface="Lucida Console" pitchFamily="49" charset="0"/>
-              </a:rPr>
-              <a:t>(number % 3 == 0) {</a:t>
-            </a:r>
-            <a:br>
-              <a:rPr lang="en-US" sz="1200" dirty="0" smtClean="0">
-                <a:latin typeface="Lucida Console" pitchFamily="49" charset="0"/>
-              </a:rPr>
-            </a:br>
-            <a:r>
-              <a:rPr lang="en-US" sz="1200" dirty="0" smtClean="0">
-                <a:latin typeface="Lucida Console" pitchFamily="49" charset="0"/>
-              </a:rPr>
-              <a:t>        </a:t>
-            </a:r>
-            <a:r>
-              <a:rPr lang="en-US" sz="1200" dirty="0" err="1" smtClean="0">
-                <a:latin typeface="Lucida Console" pitchFamily="49" charset="0"/>
-              </a:rPr>
-              <a:t>System.</a:t>
-            </a:r>
-            <a:r>
-              <a:rPr lang="en-US" sz="1200" b="1" i="1" dirty="0" err="1" smtClean="0">
-                <a:latin typeface="Lucida Console" pitchFamily="49" charset="0"/>
-              </a:rPr>
-              <a:t>out</a:t>
-            </a:r>
-            <a:r>
-              <a:rPr lang="en-US" sz="1200" dirty="0" err="1" smtClean="0">
-                <a:latin typeface="Lucida Console" pitchFamily="49" charset="0"/>
-              </a:rPr>
-              <a:t>.println</a:t>
-            </a:r>
-            <a:r>
-              <a:rPr lang="en-US" sz="1200" dirty="0" smtClean="0">
-                <a:latin typeface="Lucida Console" pitchFamily="49" charset="0"/>
-              </a:rPr>
-              <a:t>(number / 3);</a:t>
-            </a:r>
-            <a:br>
-              <a:rPr lang="en-US" sz="1200" dirty="0" smtClean="0">
-                <a:latin typeface="Lucida Console" pitchFamily="49" charset="0"/>
-              </a:rPr>
-            </a:br>
-            <a:r>
-              <a:rPr lang="en-US" sz="1200" dirty="0" smtClean="0">
-                <a:latin typeface="Lucida Console" pitchFamily="49" charset="0"/>
-              </a:rPr>
-              <a:t>    }</a:t>
-            </a:r>
-            <a:br>
-              <a:rPr lang="en-US" sz="1200" dirty="0" smtClean="0">
-                <a:latin typeface="Lucida Console" pitchFamily="49" charset="0"/>
-              </a:rPr>
-            </a:br>
-            <a:r>
-              <a:rPr lang="en-US" sz="1200" dirty="0" smtClean="0">
-                <a:latin typeface="Lucida Console" pitchFamily="49" charset="0"/>
-              </a:rPr>
-              <a:t>}</a:t>
-            </a:r>
-          </a:p>
-          <a:p>
-            <a:endParaRPr lang="en-US" sz="1200" dirty="0" smtClean="0">
-              <a:latin typeface="Lucida Console" pitchFamily="49" charset="0"/>
-            </a:endParaRPr>
-          </a:p>
-          <a:p>
-            <a:endParaRPr lang="en-US" sz="1200" dirty="0" smtClean="0">
-              <a:latin typeface="Lucida Console" pitchFamily="49" charset="0"/>
-            </a:endParaRPr>
-          </a:p>
-          <a:p>
-            <a:r>
-              <a:rPr lang="en-US" sz="1200" dirty="0" err="1" smtClean="0">
-                <a:latin typeface="Lucida Console" pitchFamily="49" charset="0"/>
-              </a:rPr>
-              <a:t>numbers.stream</a:t>
-            </a:r>
-            <a:r>
-              <a:rPr lang="en-US" sz="1200" dirty="0" smtClean="0">
-                <a:latin typeface="Lucida Console" pitchFamily="49" charset="0"/>
-              </a:rPr>
-              <a:t>()</a:t>
-            </a:r>
-            <a:br>
-              <a:rPr lang="en-US" sz="1200" dirty="0" smtClean="0">
-                <a:latin typeface="Lucida Console" pitchFamily="49" charset="0"/>
-              </a:rPr>
-            </a:br>
-            <a:r>
-              <a:rPr lang="en-US" sz="1200" dirty="0" smtClean="0">
-                <a:latin typeface="Lucida Console" pitchFamily="49" charset="0"/>
-              </a:rPr>
-              <a:t>        .filter(number -&gt; number % 3 == 0)</a:t>
-            </a:r>
-            <a:br>
-              <a:rPr lang="en-US" sz="1200" dirty="0" smtClean="0">
-                <a:latin typeface="Lucida Console" pitchFamily="49" charset="0"/>
-              </a:rPr>
-            </a:br>
-            <a:r>
-              <a:rPr lang="en-US" sz="1200" dirty="0" smtClean="0">
-                <a:latin typeface="Lucida Console" pitchFamily="49" charset="0"/>
-              </a:rPr>
-              <a:t>        .map(number -&gt; number / 3)</a:t>
-            </a:r>
-            <a:br>
-              <a:rPr lang="en-US" sz="1200" dirty="0" smtClean="0">
-                <a:latin typeface="Lucida Console" pitchFamily="49" charset="0"/>
-              </a:rPr>
-            </a:br>
-            <a:r>
-              <a:rPr lang="en-US" sz="1200" dirty="0" smtClean="0">
-                <a:latin typeface="Lucida Console" pitchFamily="49" charset="0"/>
-              </a:rPr>
-              <a:t>        .</a:t>
-            </a:r>
-            <a:r>
-              <a:rPr lang="en-US" sz="1200" dirty="0" err="1" smtClean="0">
-                <a:latin typeface="Lucida Console" pitchFamily="49" charset="0"/>
-              </a:rPr>
-              <a:t>forEach</a:t>
-            </a:r>
-            <a:r>
-              <a:rPr lang="en-US" sz="1200" dirty="0" smtClean="0">
-                <a:latin typeface="Lucida Console" pitchFamily="49" charset="0"/>
-              </a:rPr>
-              <a:t>(</a:t>
-            </a:r>
-            <a:r>
-              <a:rPr lang="en-US" sz="1200" dirty="0" err="1" smtClean="0">
-                <a:latin typeface="Lucida Console" pitchFamily="49" charset="0"/>
-              </a:rPr>
-              <a:t>System.</a:t>
-            </a:r>
-            <a:r>
-              <a:rPr lang="en-US" sz="1200" b="1" i="1" dirty="0" err="1" smtClean="0">
-                <a:latin typeface="Lucida Console" pitchFamily="49" charset="0"/>
-              </a:rPr>
-              <a:t>out</a:t>
-            </a:r>
-            <a:r>
-              <a:rPr lang="en-US" sz="1200" dirty="0" smtClean="0">
-                <a:latin typeface="Lucida Console" pitchFamily="49" charset="0"/>
-              </a:rPr>
-              <a:t>::</a:t>
-            </a:r>
-            <a:r>
-              <a:rPr lang="en-US" sz="1200" dirty="0" err="1" smtClean="0">
-                <a:latin typeface="Lucida Console" pitchFamily="49" charset="0"/>
-              </a:rPr>
-              <a:t>println</a:t>
-            </a:r>
-            <a:r>
-              <a:rPr lang="en-US" sz="1200" dirty="0" smtClean="0">
-                <a:latin typeface="Lucida Console" pitchFamily="49" charset="0"/>
-              </a:rPr>
-              <a:t>);</a:t>
-            </a:r>
-          </a:p>
-        </p:txBody>
-      </p:sp>
-      <p:sp>
-        <p:nvSpPr>
-          <p:cNvPr id="13" name="Flèche droite 12"/>
+          <p:cNvPr id="14" name="Flèche droite 13"/>
           <p:cNvSpPr/>
           <p:nvPr/>
         </p:nvSpPr>
         <p:spPr>
-          <a:xfrm rot="8100000">
-            <a:off x="4019960" y="4083094"/>
+          <a:xfrm rot="2700000">
+            <a:off x="4091968" y="842734"/>
             <a:ext cx="648072" cy="540060"/>
           </a:xfrm>
           <a:prstGeom prst="rightArrow">
@@ -4960,13 +4961,13 @@
       </p:sp>
       <p:sp>
         <p:nvSpPr>
-          <p:cNvPr id="14" name="Flèche droite 13"/>
+          <p:cNvPr id="15" name="Flèche droite 14"/>
           <p:cNvSpPr/>
           <p:nvPr/>
         </p:nvSpPr>
         <p:spPr>
-          <a:xfrm rot="2700000">
-            <a:off x="4091968" y="842734"/>
+          <a:xfrm rot="5400000">
+            <a:off x="4373978" y="2546902"/>
             <a:ext cx="648072" cy="540060"/>
           </a:xfrm>
           <a:prstGeom prst="rightArrow">
@@ -5011,13 +5012,13 @@
       </p:sp>
       <p:sp>
         <p:nvSpPr>
-          <p:cNvPr id="15" name="Flèche droite 14"/>
+          <p:cNvPr id="16" name="Flèche droite 15"/>
           <p:cNvSpPr/>
           <p:nvPr/>
         </p:nvSpPr>
         <p:spPr>
           <a:xfrm rot="5400000">
-            <a:off x="4373978" y="2546902"/>
+            <a:off x="1997714" y="5355214"/>
             <a:ext cx="648072" cy="540060"/>
           </a:xfrm>
           <a:prstGeom prst="rightArrow">
@@ -5030,105 +5031,6 @@
             <a:schemeClr val="accent6">
               <a:lumMod val="75000"/>
             </a:schemeClr>
-          </a:solidFill>
-          <a:ln>
-            <a:noFill/>
-          </a:ln>
-        </p:spPr>
-        <p:style>
-          <a:lnRef idx="2">
-            <a:schemeClr val="accent1">
-              <a:shade val="50000"/>
-            </a:schemeClr>
-          </a:lnRef>
-          <a:fillRef idx="1">
-            <a:schemeClr val="accent1"/>
-          </a:fillRef>
-          <a:effectRef idx="0">
-            <a:schemeClr val="accent1"/>
-          </a:effectRef>
-          <a:fontRef idx="minor">
-            <a:schemeClr val="lt1"/>
-          </a:fontRef>
-        </p:style>
-        <p:txBody>
-          <a:bodyPr rtlCol="0" anchor="ctr"/>
-          <a:lstStyle/>
-          <a:p>
-            <a:pPr algn="ctr"/>
-            <a:endParaRPr lang="fr-FR"/>
-          </a:p>
-        </p:txBody>
-      </p:sp>
-      <p:sp>
-        <p:nvSpPr>
-          <p:cNvPr id="16" name="Flèche droite 15"/>
-          <p:cNvSpPr/>
-          <p:nvPr/>
-        </p:nvSpPr>
-        <p:spPr>
-          <a:xfrm rot="5400000">
-            <a:off x="1997714" y="5355214"/>
-            <a:ext cx="648072" cy="540060"/>
-          </a:xfrm>
-          <a:prstGeom prst="rightArrow">
-            <a:avLst>
-              <a:gd name="adj1" fmla="val 45162"/>
-              <a:gd name="adj2" fmla="val 50000"/>
-            </a:avLst>
-          </a:prstGeom>
-          <a:solidFill>
-            <a:schemeClr val="accent6">
-              <a:lumMod val="75000"/>
-            </a:schemeClr>
-          </a:solidFill>
-          <a:ln>
-            <a:noFill/>
-          </a:ln>
-        </p:spPr>
-        <p:style>
-          <a:lnRef idx="2">
-            <a:schemeClr val="accent1">
-              <a:shade val="50000"/>
-            </a:schemeClr>
-          </a:lnRef>
-          <a:fillRef idx="1">
-            <a:schemeClr val="accent1"/>
-          </a:fillRef>
-          <a:effectRef idx="0">
-            <a:schemeClr val="accent1"/>
-          </a:effectRef>
-          <a:fontRef idx="minor">
-            <a:schemeClr val="lt1"/>
-          </a:fontRef>
-        </p:style>
-        <p:txBody>
-          <a:bodyPr rtlCol="0" anchor="ctr"/>
-          <a:lstStyle/>
-          <a:p>
-            <a:pPr algn="ctr"/>
-            <a:endParaRPr lang="fr-FR"/>
-          </a:p>
-        </p:txBody>
-      </p:sp>
-      <p:sp>
-        <p:nvSpPr>
-          <p:cNvPr id="18" name="Croix 17"/>
-          <p:cNvSpPr/>
-          <p:nvPr/>
-        </p:nvSpPr>
-        <p:spPr>
-          <a:xfrm rot="18900000">
-            <a:off x="1067787" y="2301051"/>
-            <a:ext cx="1159804" cy="1159804"/>
-          </a:xfrm>
-          <a:prstGeom prst="plus">
-            <a:avLst>
-              <a:gd name="adj" fmla="val 43341"/>
-            </a:avLst>
-          </a:prstGeom>
-          <a:solidFill>
-            <a:srgbClr val="C70909"/>
           </a:solidFill>
           <a:ln>
             <a:noFill/>
@@ -6099,8 +6001,8 @@
         </p:nvSpPr>
         <p:spPr>
           <a:xfrm rot="5400000">
-            <a:off x="-558570" y="3483006"/>
-            <a:ext cx="4392488" cy="540060"/>
+            <a:off x="-486562" y="3410998"/>
+            <a:ext cx="4248472" cy="540060"/>
           </a:xfrm>
           <a:prstGeom prst="rightArrow">
             <a:avLst>
@@ -6769,7 +6671,7 @@
               <a:rPr lang="fr-FR" sz="1200" dirty="0" err="1" smtClean="0">
                 <a:latin typeface="Lucida Console" pitchFamily="49" charset="0"/>
               </a:rPr>
-              <a:t>getTownLevel</a:t>
+              <a:t>getBdrLevel</a:t>
             </a:r>
             <a:r>
               <a:rPr lang="fr-FR" sz="1200" dirty="0" smtClean="0">
@@ -6781,7 +6683,7 @@
               <a:rPr lang="fr-FR" sz="1200" dirty="0" err="1" smtClean="0">
                 <a:latin typeface="Lucida Console" pitchFamily="49" charset="0"/>
               </a:rPr>
-              <a:t>KTown</a:t>
+              <a:t>KBdr</a:t>
             </a:r>
             <a:r>
               <a:rPr lang="fr-FR" sz="1200" dirty="0" smtClean="0">
@@ -6793,13 +6695,19 @@
               <a:rPr lang="fr-FR" sz="1200" dirty="0" err="1" smtClean="0">
                 <a:latin typeface="Lucida Console" pitchFamily="49" charset="0"/>
               </a:rPr>
-              <a:t>town</a:t>
-            </a:r>
-            <a:r>
-              <a:rPr lang="fr-FR" sz="1200" dirty="0" smtClean="0">
-                <a:latin typeface="Lucida Console" pitchFamily="49" charset="0"/>
-              </a:rPr>
-              <a:t>) {</a:t>
+              <a:t>bdr</a:t>
+            </a:r>
+            <a:r>
+              <a:rPr lang="fr-FR" sz="1200" dirty="0" smtClean="0">
+                <a:latin typeface="Lucida Console" pitchFamily="49" charset="0"/>
+              </a:rPr>
+              <a:t>) </a:t>
+            </a:r>
+            <a:r>
+              <a:rPr lang="fr-FR" sz="1200" dirty="0" smtClean="0">
+                <a:latin typeface="Lucida Console" pitchFamily="49" charset="0"/>
+              </a:rPr>
+              <a:t>{</a:t>
             </a:r>
             <a:br>
               <a:rPr lang="fr-FR" sz="1200" dirty="0" smtClean="0">
@@ -6828,13 +6736,19 @@
               <a:rPr lang="fr-FR" sz="1200" dirty="0" err="1" smtClean="0">
                 <a:latin typeface="Lucida Console" pitchFamily="49" charset="0"/>
               </a:rPr>
-              <a:t>town</a:t>
-            </a:r>
-            <a:r>
-              <a:rPr lang="fr-FR" sz="1200" dirty="0" smtClean="0">
-                <a:latin typeface="Lucida Console" pitchFamily="49" charset="0"/>
-              </a:rPr>
-              <a:t> == </a:t>
+              <a:t>bdr</a:t>
+            </a:r>
+            <a:r>
+              <a:rPr lang="fr-FR" sz="1200" dirty="0" smtClean="0">
+                <a:latin typeface="Lucida Console" pitchFamily="49" charset="0"/>
+              </a:rPr>
+              <a:t> </a:t>
+            </a:r>
+            <a:r>
+              <a:rPr lang="fr-FR" sz="1200" dirty="0" smtClean="0">
+                <a:latin typeface="Lucida Console" pitchFamily="49" charset="0"/>
+              </a:rPr>
+              <a:t>== </a:t>
             </a:r>
             <a:r>
               <a:rPr lang="fr-FR" sz="1200" b="1" dirty="0" err="1" smtClean="0">
@@ -6863,7 +6777,7 @@
               <a:rPr lang="fr-FR" sz="1200" dirty="0" err="1" smtClean="0">
                 <a:latin typeface="Lucida Console" pitchFamily="49" charset="0"/>
               </a:rPr>
-              <a:t>town.getTownLevel</a:t>
+              <a:t>bdr.getBdrLevel</a:t>
             </a:r>
             <a:r>
               <a:rPr lang="fr-FR" sz="1200" dirty="0" smtClean="0">
@@ -6898,7 +6812,7 @@
               <a:rPr lang="fr-FR" sz="1200" dirty="0" err="1" smtClean="0">
                 <a:latin typeface="Lucida Console" pitchFamily="49" charset="0"/>
               </a:rPr>
-              <a:t>town.getTownLevel</a:t>
+              <a:t>bdr.getBdrLevel</a:t>
             </a:r>
             <a:r>
               <a:rPr lang="fr-FR" sz="1200" dirty="0" smtClean="0">
@@ -7014,7 +6928,19 @@
               <a:rPr lang="fr-FR" sz="1200" b="1" dirty="0" smtClean="0">
                 <a:latin typeface="Lucida Console" pitchFamily="49" charset="0"/>
               </a:rPr>
-              <a:t> " </a:t>
+              <a:t>:</a:t>
+            </a:r>
+            <a:r>
+              <a:rPr lang="fr-FR" sz="1200" b="1" dirty="0" smtClean="0">
+                <a:latin typeface="Lucida Console" pitchFamily="49" charset="0"/>
+              </a:rPr>
+              <a:t> </a:t>
+            </a:r>
+            <a:r>
+              <a:rPr lang="fr-FR" sz="1200" b="1" dirty="0" smtClean="0">
+                <a:latin typeface="Lucida Console" pitchFamily="49" charset="0"/>
+              </a:rPr>
+              <a:t>" </a:t>
             </a:r>
             <a:r>
               <a:rPr lang="fr-FR" sz="1200" dirty="0" smtClean="0">
@@ -7026,7 +6952,7 @@
               <a:rPr lang="fr-FR" sz="1200" dirty="0" err="1" smtClean="0">
                 <a:latin typeface="Lucida Console" pitchFamily="49" charset="0"/>
               </a:rPr>
-              <a:t>town.getTownLevel</a:t>
+              <a:t>bdr.getBdrLevel</a:t>
             </a:r>
             <a:r>
               <a:rPr lang="fr-FR" sz="1200" dirty="0" smtClean="0">
@@ -7069,7 +6995,7 @@
         <p:spPr>
           <a:xfrm>
             <a:off x="251520" y="4581128"/>
-            <a:ext cx="5112297" cy="646331"/>
+            <a:ext cx="4833374" cy="646331"/>
           </a:xfrm>
           <a:prstGeom prst="rect">
             <a:avLst/>
@@ -7092,25 +7018,43 @@
               <a:rPr lang="en-US" sz="1200" dirty="0" err="1" smtClean="0">
                 <a:latin typeface="Lucida Console" pitchFamily="49" charset="0"/>
               </a:rPr>
-              <a:t>getTownLevel</a:t>
+              <a:t>getBdrLevel</a:t>
             </a:r>
             <a:r>
               <a:rPr lang="en-US" sz="1200" dirty="0" smtClean="0">
                 <a:latin typeface="Lucida Console" pitchFamily="49" charset="0"/>
               </a:rPr>
-              <a:t>(town: </a:t>
+              <a:t>(</a:t>
             </a:r>
             <a:r>
               <a:rPr lang="en-US" sz="1200" dirty="0" err="1" smtClean="0">
                 <a:latin typeface="Lucida Console" pitchFamily="49" charset="0"/>
               </a:rPr>
-              <a:t>KTown</a:t>
+              <a:t>bdr</a:t>
             </a:r>
             <a:r>
               <a:rPr lang="en-US" sz="1200" dirty="0" smtClean="0">
                 <a:latin typeface="Lucida Console" pitchFamily="49" charset="0"/>
               </a:rPr>
-              <a:t>?): String =</a:t>
+              <a:t>: </a:t>
+            </a:r>
+            <a:r>
+              <a:rPr lang="en-US" sz="1200" dirty="0" err="1" smtClean="0">
+                <a:latin typeface="Lucida Console" pitchFamily="49" charset="0"/>
+              </a:rPr>
+              <a:t>KBdr</a:t>
+            </a:r>
+            <a:r>
+              <a:rPr lang="en-US" sz="1200" dirty="0" smtClean="0">
+                <a:latin typeface="Lucida Console" pitchFamily="49" charset="0"/>
+              </a:rPr>
+              <a:t>?): </a:t>
+            </a:r>
+            <a:r>
+              <a:rPr lang="en-US" sz="1200" dirty="0" smtClean="0">
+                <a:latin typeface="Lucida Console" pitchFamily="49" charset="0"/>
+              </a:rPr>
+              <a:t>String =</a:t>
             </a:r>
             <a:br>
               <a:rPr lang="en-US" sz="1200" dirty="0" smtClean="0">
@@ -7121,13 +7065,25 @@
               <a:rPr lang="en-US" sz="1200" dirty="0" smtClean="0">
                 <a:latin typeface="Lucida Console" pitchFamily="49" charset="0"/>
               </a:rPr>
-              <a:t>        town?.</a:t>
+              <a:t>        </a:t>
+            </a:r>
+            <a:r>
+              <a:rPr lang="en-US" sz="1200" dirty="0" err="1" smtClean="0">
+                <a:latin typeface="Lucida Console" pitchFamily="49" charset="0"/>
+              </a:rPr>
+              <a:t>bdr</a:t>
+            </a:r>
+            <a:r>
+              <a:rPr lang="en-US" sz="1200" dirty="0" smtClean="0">
+                <a:latin typeface="Lucida Console" pitchFamily="49" charset="0"/>
+              </a:rPr>
+              <a:t>?.</a:t>
             </a:r>
             <a:r>
               <a:rPr lang="en-US" sz="1200" b="1" dirty="0" err="1" smtClean="0">
                 <a:latin typeface="Lucida Console" pitchFamily="49" charset="0"/>
               </a:rPr>
-              <a:t>townLevel</a:t>
+              <a:t>bdrLevel</a:t>
             </a:r>
             <a:r>
               <a:rPr lang="en-US" sz="1200" dirty="0" smtClean="0">
@@ -7511,7 +7467,7 @@
               <a:rPr lang="fr-FR" sz="1200" dirty="0" err="1" smtClean="0">
                 <a:latin typeface="Lucida Console" pitchFamily="49" charset="0"/>
               </a:rPr>
-              <a:t>getTownLevel</a:t>
+              <a:t>getBdrLevel</a:t>
             </a:r>
             <a:r>
               <a:rPr lang="fr-FR" sz="1200" dirty="0" smtClean="0">
@@ -7523,7 +7479,7 @@
               <a:rPr lang="fr-FR" sz="1200" dirty="0" err="1" smtClean="0">
                 <a:latin typeface="Lucida Console" pitchFamily="49" charset="0"/>
               </a:rPr>
-              <a:t>KTown</a:t>
+              <a:t>KBdr</a:t>
             </a:r>
             <a:r>
               <a:rPr lang="fr-FR" sz="1200" dirty="0" smtClean="0">
@@ -7535,13 +7491,19 @@
               <a:rPr lang="fr-FR" sz="1200" dirty="0" err="1" smtClean="0">
                 <a:latin typeface="Lucida Console" pitchFamily="49" charset="0"/>
               </a:rPr>
-              <a:t>town</a:t>
-            </a:r>
-            <a:r>
-              <a:rPr lang="fr-FR" sz="1200" dirty="0" smtClean="0">
-                <a:latin typeface="Lucida Console" pitchFamily="49" charset="0"/>
-              </a:rPr>
-              <a:t>) {</a:t>
+              <a:t>bdr</a:t>
+            </a:r>
+            <a:r>
+              <a:rPr lang="fr-FR" sz="1200" dirty="0" smtClean="0">
+                <a:latin typeface="Lucida Console" pitchFamily="49" charset="0"/>
+              </a:rPr>
+              <a:t>) </a:t>
+            </a:r>
+            <a:r>
+              <a:rPr lang="fr-FR" sz="1200" dirty="0" smtClean="0">
+                <a:latin typeface="Lucida Console" pitchFamily="49" charset="0"/>
+              </a:rPr>
+              <a:t>{</a:t>
             </a:r>
             <a:br>
               <a:rPr lang="fr-FR" sz="1200" dirty="0" smtClean="0">
@@ -7570,13 +7532,19 @@
               <a:rPr lang="fr-FR" sz="1200" dirty="0" err="1" smtClean="0">
                 <a:latin typeface="Lucida Console" pitchFamily="49" charset="0"/>
               </a:rPr>
-              <a:t>town</a:t>
-            </a:r>
-            <a:r>
-              <a:rPr lang="fr-FR" sz="1200" dirty="0" smtClean="0">
-                <a:latin typeface="Lucida Console" pitchFamily="49" charset="0"/>
-              </a:rPr>
-              <a:t> == </a:t>
+              <a:t>bdr</a:t>
+            </a:r>
+            <a:r>
+              <a:rPr lang="fr-FR" sz="1200" dirty="0" smtClean="0">
+                <a:latin typeface="Lucida Console" pitchFamily="49" charset="0"/>
+              </a:rPr>
+              <a:t> </a:t>
+            </a:r>
+            <a:r>
+              <a:rPr lang="fr-FR" sz="1200" dirty="0" smtClean="0">
+                <a:latin typeface="Lucida Console" pitchFamily="49" charset="0"/>
+              </a:rPr>
+              <a:t>== </a:t>
             </a:r>
             <a:r>
               <a:rPr lang="fr-FR" sz="1200" b="1" dirty="0" err="1" smtClean="0">
@@ -7605,7 +7573,7 @@
               <a:rPr lang="fr-FR" sz="1200" dirty="0" err="1" smtClean="0">
                 <a:latin typeface="Lucida Console" pitchFamily="49" charset="0"/>
               </a:rPr>
-              <a:t>town.getTownLevel</a:t>
+              <a:t>bdr.getBdrLevel</a:t>
             </a:r>
             <a:r>
               <a:rPr lang="fr-FR" sz="1200" dirty="0" smtClean="0">
@@ -7640,7 +7608,7 @@
               <a:rPr lang="fr-FR" sz="1200" dirty="0" err="1" smtClean="0">
                 <a:latin typeface="Lucida Console" pitchFamily="49" charset="0"/>
               </a:rPr>
-              <a:t>town.getTownLevel</a:t>
+              <a:t>bdr.getBdrLevel</a:t>
             </a:r>
             <a:r>
               <a:rPr lang="fr-FR" sz="1200" dirty="0" smtClean="0">
@@ -7756,7 +7724,13 @@
               <a:rPr lang="fr-FR" sz="1200" b="1" dirty="0" smtClean="0">
                 <a:latin typeface="Lucida Console" pitchFamily="49" charset="0"/>
               </a:rPr>
-              <a:t> " </a:t>
+              <a:t>: </a:t>
+            </a:r>
+            <a:r>
+              <a:rPr lang="fr-FR" sz="1200" b="1" dirty="0" smtClean="0">
+                <a:latin typeface="Lucida Console" pitchFamily="49" charset="0"/>
+              </a:rPr>
+              <a:t>" </a:t>
             </a:r>
             <a:r>
               <a:rPr lang="fr-FR" sz="1200" dirty="0" smtClean="0">
@@ -7768,7 +7742,7 @@
               <a:rPr lang="fr-FR" sz="1200" dirty="0" err="1" smtClean="0">
                 <a:latin typeface="Lucida Console" pitchFamily="49" charset="0"/>
               </a:rPr>
-              <a:t>town.getTownLevel</a:t>
+              <a:t>bdr.getBdrLevel</a:t>
             </a:r>
             <a:r>
               <a:rPr lang="fr-FR" sz="1200" dirty="0" smtClean="0">
@@ -7811,7 +7785,7 @@
         <p:spPr>
           <a:xfrm>
             <a:off x="3995936" y="2548061"/>
-            <a:ext cx="4833374" cy="1384995"/>
+            <a:ext cx="4647426" cy="1384995"/>
           </a:xfrm>
           <a:prstGeom prst="rect">
             <a:avLst/>
@@ -7844,7 +7818,7 @@
                 </a:solidFill>
                 <a:latin typeface="Lucida Console" pitchFamily="49" charset="0"/>
               </a:rPr>
-              <a:t>getTownLevel</a:t>
+              <a:t>getBdrLevel</a:t>
             </a:r>
             <a:r>
               <a:rPr lang="en-US" sz="1200" dirty="0" smtClean="0">
@@ -7855,7 +7829,7 @@
                 </a:solidFill>
                 <a:latin typeface="Lucida Console" pitchFamily="49" charset="0"/>
               </a:rPr>
-              <a:t>(town: </a:t>
+              <a:t>(</a:t>
             </a:r>
             <a:r>
               <a:rPr lang="en-US" sz="1200" dirty="0" err="1" smtClean="0">
@@ -7866,7 +7840,7 @@
                 </a:solidFill>
                 <a:latin typeface="Lucida Console" pitchFamily="49" charset="0"/>
               </a:rPr>
-              <a:t>KTown</a:t>
+              <a:t>bdr</a:t>
             </a:r>
             <a:r>
               <a:rPr lang="en-US" sz="1200" dirty="0" smtClean="0">
@@ -7877,7 +7851,40 @@
                 </a:solidFill>
                 <a:latin typeface="Lucida Console" pitchFamily="49" charset="0"/>
               </a:rPr>
-              <a:t>?): String {</a:t>
+              <a:t>: </a:t>
+            </a:r>
+            <a:r>
+              <a:rPr lang="en-US" sz="1200" dirty="0" err="1" smtClean="0">
+                <a:solidFill>
+                  <a:schemeClr val="bg1">
+                    <a:lumMod val="50000"/>
+                  </a:schemeClr>
+                </a:solidFill>
+                <a:latin typeface="Lucida Console" pitchFamily="49" charset="0"/>
+              </a:rPr>
+              <a:t>KBdr</a:t>
+            </a:r>
+            <a:r>
+              <a:rPr lang="en-US" sz="1200" dirty="0" smtClean="0">
+                <a:solidFill>
+                  <a:schemeClr val="bg1">
+                    <a:lumMod val="50000"/>
+                  </a:schemeClr>
+                </a:solidFill>
+                <a:latin typeface="Lucida Console" pitchFamily="49" charset="0"/>
+              </a:rPr>
+              <a:t>?): </a:t>
+            </a:r>
+            <a:r>
+              <a:rPr lang="en-US" sz="1200" dirty="0" smtClean="0">
+                <a:solidFill>
+                  <a:schemeClr val="bg1">
+                    <a:lumMod val="50000"/>
+                  </a:schemeClr>
+                </a:solidFill>
+                <a:latin typeface="Lucida Console" pitchFamily="49" charset="0"/>
+              </a:rPr>
+              <a:t>String {</a:t>
             </a:r>
             <a:br>
               <a:rPr lang="en-US" sz="1200" dirty="0" smtClean="0">
@@ -7920,7 +7927,29 @@
                 </a:solidFill>
                 <a:latin typeface="Lucida Console" pitchFamily="49" charset="0"/>
               </a:rPr>
-              <a:t>(town?.</a:t>
+              <a:t>(</a:t>
+            </a:r>
+            <a:r>
+              <a:rPr lang="en-US" sz="1200" dirty="0" err="1" smtClean="0">
+                <a:solidFill>
+                  <a:schemeClr val="bg1">
+                    <a:lumMod val="50000"/>
+                  </a:schemeClr>
+                </a:solidFill>
+                <a:latin typeface="Lucida Console" pitchFamily="49" charset="0"/>
+              </a:rPr>
+              <a:t>bdr</a:t>
+            </a:r>
+            <a:r>
+              <a:rPr lang="en-US" sz="1200" dirty="0" smtClean="0">
+                <a:solidFill>
+                  <a:schemeClr val="bg1">
+                    <a:lumMod val="50000"/>
+                  </a:schemeClr>
+                </a:solidFill>
+                <a:latin typeface="Lucida Console" pitchFamily="49" charset="0"/>
+              </a:rPr>
+              <a:t>?.</a:t>
             </a:r>
             <a:r>
               <a:rPr lang="en-US" sz="1200" b="1" dirty="0" err="1" smtClean="0">
@@ -7931,7 +7960,7 @@
                 </a:solidFill>
                 <a:latin typeface="Lucida Console" pitchFamily="49" charset="0"/>
               </a:rPr>
-              <a:t>townLevel</a:t>
+              <a:t>bdrLevel</a:t>
             </a:r>
             <a:r>
               <a:rPr lang="en-US" sz="1200" dirty="0" smtClean="0">
@@ -8029,7 +8058,29 @@
                 </a:solidFill>
                 <a:latin typeface="Lucida Console" pitchFamily="49" charset="0"/>
               </a:rPr>
-              <a:t>+ town?.</a:t>
+              <a:t>+ </a:t>
+            </a:r>
+            <a:r>
+              <a:rPr lang="en-US" sz="1200" dirty="0" err="1" smtClean="0">
+                <a:solidFill>
+                  <a:schemeClr val="bg1">
+                    <a:lumMod val="50000"/>
+                  </a:schemeClr>
+                </a:solidFill>
+                <a:latin typeface="Lucida Console" pitchFamily="49" charset="0"/>
+              </a:rPr>
+              <a:t>bdr</a:t>
+            </a:r>
+            <a:r>
+              <a:rPr lang="en-US" sz="1200" dirty="0" smtClean="0">
+                <a:solidFill>
+                  <a:schemeClr val="bg1">
+                    <a:lumMod val="50000"/>
+                  </a:schemeClr>
+                </a:solidFill>
+                <a:latin typeface="Lucida Console" pitchFamily="49" charset="0"/>
+              </a:rPr>
+              <a:t>?.</a:t>
             </a:r>
             <a:r>
               <a:rPr lang="en-US" sz="1200" b="1" dirty="0" err="1" smtClean="0">
@@ -8040,7 +8091,7 @@
                 </a:solidFill>
                 <a:latin typeface="Lucida Console" pitchFamily="49" charset="0"/>
               </a:rPr>
-              <a:t>townLevel</a:t>
+              <a:t>bdrLevel</a:t>
             </a:r>
             <a:r>
               <a:rPr lang="en-US" sz="1200" dirty="0" smtClean="0">
@@ -8234,7 +8285,7 @@
         <p:spPr>
           <a:xfrm>
             <a:off x="251520" y="4581128"/>
-            <a:ext cx="5112297" cy="646331"/>
+            <a:ext cx="4833374" cy="646331"/>
           </a:xfrm>
           <a:prstGeom prst="rect">
             <a:avLst/>
@@ -8257,25 +8308,43 @@
               <a:rPr lang="en-US" sz="1200" dirty="0" err="1" smtClean="0">
                 <a:latin typeface="Lucida Console" pitchFamily="49" charset="0"/>
               </a:rPr>
-              <a:t>getTownLevel</a:t>
+              <a:t>getBdrLevel</a:t>
             </a:r>
             <a:r>
               <a:rPr lang="en-US" sz="1200" dirty="0" smtClean="0">
                 <a:latin typeface="Lucida Console" pitchFamily="49" charset="0"/>
               </a:rPr>
-              <a:t>(town: </a:t>
+              <a:t>(</a:t>
             </a:r>
             <a:r>
               <a:rPr lang="en-US" sz="1200" dirty="0" err="1" smtClean="0">
                 <a:latin typeface="Lucida Console" pitchFamily="49" charset="0"/>
               </a:rPr>
-              <a:t>KTown</a:t>
+              <a:t>bdr</a:t>
             </a:r>
             <a:r>
               <a:rPr lang="en-US" sz="1200" dirty="0" smtClean="0">
                 <a:latin typeface="Lucida Console" pitchFamily="49" charset="0"/>
               </a:rPr>
-              <a:t>?): String =</a:t>
+              <a:t>: </a:t>
+            </a:r>
+            <a:r>
+              <a:rPr lang="en-US" sz="1200" dirty="0" err="1" smtClean="0">
+                <a:latin typeface="Lucida Console" pitchFamily="49" charset="0"/>
+              </a:rPr>
+              <a:t>KBdr</a:t>
+            </a:r>
+            <a:r>
+              <a:rPr lang="en-US" sz="1200" dirty="0" smtClean="0">
+                <a:latin typeface="Lucida Console" pitchFamily="49" charset="0"/>
+              </a:rPr>
+              <a:t>?): </a:t>
+            </a:r>
+            <a:r>
+              <a:rPr lang="en-US" sz="1200" dirty="0" smtClean="0">
+                <a:latin typeface="Lucida Console" pitchFamily="49" charset="0"/>
+              </a:rPr>
+              <a:t>String =</a:t>
             </a:r>
             <a:br>
               <a:rPr lang="en-US" sz="1200" dirty="0" smtClean="0">
@@ -8286,13 +8355,25 @@
               <a:rPr lang="en-US" sz="1200" dirty="0" smtClean="0">
                 <a:latin typeface="Lucida Console" pitchFamily="49" charset="0"/>
               </a:rPr>
-              <a:t>        town?.</a:t>
+              <a:t>        </a:t>
+            </a:r>
+            <a:r>
+              <a:rPr lang="en-US" sz="1200" dirty="0" err="1" smtClean="0">
+                <a:latin typeface="Lucida Console" pitchFamily="49" charset="0"/>
+              </a:rPr>
+              <a:t>bdr</a:t>
+            </a:r>
+            <a:r>
+              <a:rPr lang="en-US" sz="1200" dirty="0" smtClean="0">
+                <a:latin typeface="Lucida Console" pitchFamily="49" charset="0"/>
+              </a:rPr>
+              <a:t>?.</a:t>
             </a:r>
             <a:r>
               <a:rPr lang="en-US" sz="1200" b="1" dirty="0" err="1" smtClean="0">
                 <a:latin typeface="Lucida Console" pitchFamily="49" charset="0"/>
               </a:rPr>
-              <a:t>townLevel</a:t>
+              <a:t>bdrLevel</a:t>
             </a:r>
             <a:r>
               <a:rPr lang="en-US" sz="1200" dirty="0" smtClean="0">
@@ -8784,6 +8865,38 @@
           </a:p>
         </p:txBody>
       </p:sp>
+    </p:spTree>
+  </p:cSld>
+  <p:clrMapOvr>
+    <a:masterClrMapping/>
+  </p:clrMapOvr>
+  <p:timing>
+    <p:tnLst>
+      <p:par>
+        <p:cTn id="1" dur="indefinite" restart="never" nodeType="tmRoot"/>
+      </p:par>
+    </p:tnLst>
+  </p:timing>
+</p:sld>
+</file>
+
+<file path=ppt/slides/slide15.xml><?xml version="1.0" encoding="utf-8"?>
+<p:sld xmlns:a="http://schemas.openxmlformats.org/drawingml/2006/main" xmlns:r="http://schemas.openxmlformats.org/officeDocument/2006/relationships" xmlns:p="http://schemas.openxmlformats.org/presentationml/2006/main">
+  <p:cSld>
+    <p:spTree>
+      <p:nvGrpSpPr>
+        <p:cNvPr id="1" name=""/>
+        <p:cNvGrpSpPr/>
+        <p:nvPr/>
+      </p:nvGrpSpPr>
+      <p:grpSpPr>
+        <a:xfrm>
+          <a:off x="0" y="0"/>
+          <a:ext cx="0" cy="0"/>
+          <a:chOff x="0" y="0"/>
+          <a:chExt cx="0" cy="0"/>
+        </a:xfrm>
+      </p:grpSpPr>
     </p:spTree>
   </p:cSld>
   <p:clrMapOvr>
@@ -10029,18 +10142,6 @@
               </a:rPr>
               <a:t>A propos des</a:t>
             </a:r>
-            <a:r>
-              <a:rPr lang="fr-FR" dirty="0" smtClean="0">
-                <a:solidFill>
-                  <a:schemeClr val="accent6">
-                    <a:lumMod val="75000"/>
-                  </a:schemeClr>
-                </a:solidFill>
-                <a:latin typeface="Segoe UI" pitchFamily="34" charset="0"/>
-                <a:cs typeface="Segoe UI" pitchFamily="34" charset="0"/>
-              </a:rPr>
-              <a:t/>
-            </a:r>
             <a:br>
               <a:rPr lang="fr-FR" dirty="0" smtClean="0">
                 <a:solidFill>
@@ -10288,14 +10389,7 @@
                 <a:latin typeface="Segoe UI" pitchFamily="34" charset="0"/>
                 <a:cs typeface="Segoe UI" pitchFamily="34" charset="0"/>
               </a:rPr>
-              <a:t>-</a:t>
-            </a:r>
-            <a:r>
-              <a:rPr lang="fr-FR" dirty="0" smtClean="0">
-                <a:latin typeface="Segoe UI" pitchFamily="34" charset="0"/>
-                <a:cs typeface="Segoe UI" pitchFamily="34" charset="0"/>
-              </a:rPr>
-              <a:t>  Si le nombre est divisible par 3, alors le diviser par 3 et l’afficher</a:t>
+              <a:t>-  Si le nombre est divisible par 3, alors le diviser par 3 et l’afficher</a:t>
             </a:r>
             <a:endParaRPr lang="fr-FR" dirty="0">
               <a:latin typeface="Segoe UI" pitchFamily="34" charset="0"/>
@@ -10772,14 +10866,7 @@
                 <a:latin typeface="Segoe UI" pitchFamily="34" charset="0"/>
                 <a:cs typeface="Segoe UI" pitchFamily="34" charset="0"/>
               </a:rPr>
-              <a:t>-</a:t>
-            </a:r>
-            <a:r>
-              <a:rPr lang="fr-FR" dirty="0" smtClean="0">
-                <a:latin typeface="Segoe UI" pitchFamily="34" charset="0"/>
-                <a:cs typeface="Segoe UI" pitchFamily="34" charset="0"/>
-              </a:rPr>
-              <a:t>  Si le nombre est divisible par 3, alors le diviser par 3 et l’afficher</a:t>
+              <a:t>-  Si le nombre est divisible par 3, alors le diviser par 3 et l’afficher</a:t>
             </a:r>
             <a:endParaRPr lang="fr-FR" dirty="0">
               <a:latin typeface="Segoe UI" pitchFamily="34" charset="0"/>
